--- a/presentaties/Final/technische_presentatie.pptx
+++ b/presentaties/Final/technische_presentatie.pptx
@@ -5,7 +5,7 @@
     <p:sldMasterId id="2147483657" r:id="rId1"/>
   </p:sldMasterIdLst>
   <p:notesMasterIdLst>
-    <p:notesMasterId r:id="rId21"/>
+    <p:notesMasterId r:id="rId22"/>
   </p:notesMasterIdLst>
   <p:sldIdLst>
     <p:sldId id="256" r:id="rId2"/>
@@ -26,28 +26,29 @@
     <p:sldId id="291" r:id="rId17"/>
     <p:sldId id="285" r:id="rId18"/>
     <p:sldId id="289" r:id="rId19"/>
-    <p:sldId id="280" r:id="rId20"/>
+    <p:sldId id="301" r:id="rId20"/>
+    <p:sldId id="280" r:id="rId21"/>
   </p:sldIdLst>
   <p:sldSz cx="9144000" cy="5143500" type="screen16x9"/>
   <p:notesSz cx="6858000" cy="9144000"/>
   <p:embeddedFontLst>
     <p:embeddedFont>
       <p:font typeface="Helvetica Neue" panose="020B0604020202020204" charset="0"/>
-      <p:regular r:id="rId22"/>
-      <p:bold r:id="rId23"/>
-      <p:italic r:id="rId24"/>
-      <p:boldItalic r:id="rId25"/>
+      <p:regular r:id="rId23"/>
+      <p:bold r:id="rId24"/>
+      <p:italic r:id="rId25"/>
+      <p:boldItalic r:id="rId26"/>
     </p:embeddedFont>
     <p:embeddedFont>
       <p:font typeface="Muli" panose="020B0604020202020204" charset="0"/>
-      <p:regular r:id="rId26"/>
-      <p:bold r:id="rId27"/>
-      <p:italic r:id="rId28"/>
-      <p:boldItalic r:id="rId29"/>
+      <p:regular r:id="rId27"/>
+      <p:bold r:id="rId28"/>
+      <p:italic r:id="rId29"/>
+      <p:boldItalic r:id="rId30"/>
     </p:embeddedFont>
     <p:embeddedFont>
       <p:font typeface="Nixie One" panose="020B0604020202020204" charset="0"/>
-      <p:regular r:id="rId30"/>
+      <p:regular r:id="rId31"/>
     </p:embeddedFont>
   </p:embeddedFontLst>
   <p:defaultTextStyle>
@@ -1589,6 +1590,115 @@
 </file>
 
 <file path=ppt/notesSlides/notesSlide17.xml><?xml version="1.0" encoding="utf-8"?>
+<p:notes xmlns:a="http://schemas.openxmlformats.org/drawingml/2006/main" xmlns:r="http://schemas.openxmlformats.org/officeDocument/2006/relationships" xmlns:p="http://schemas.openxmlformats.org/presentationml/2006/main" showMasterSp="0" showMasterPhAnim="0">
+  <p:cSld>
+    <p:spTree>
+      <p:nvGrpSpPr>
+        <p:cNvPr id="1" name="Shape 345"/>
+        <p:cNvGrpSpPr/>
+        <p:nvPr/>
+      </p:nvGrpSpPr>
+      <p:grpSpPr>
+        <a:xfrm>
+          <a:off x="0" y="0"/>
+          <a:ext cx="0" cy="0"/>
+          <a:chOff x="0" y="0"/>
+          <a:chExt cx="0" cy="0"/>
+        </a:xfrm>
+      </p:grpSpPr>
+      <p:sp>
+        <p:nvSpPr>
+          <p:cNvPr id="346" name="Shape 346"/>
+          <p:cNvSpPr>
+            <a:spLocks noGrp="1" noRot="1" noChangeAspect="1"/>
+          </p:cNvSpPr>
+          <p:nvPr>
+            <p:ph type="sldImg" idx="2"/>
+          </p:nvPr>
+        </p:nvSpPr>
+        <p:spPr>
+          <a:xfrm>
+            <a:off x="381000" y="685800"/>
+            <a:ext cx="6096000" cy="3429000"/>
+          </a:xfrm>
+          <a:custGeom>
+            <a:avLst/>
+            <a:gdLst/>
+            <a:ahLst/>
+            <a:cxnLst/>
+            <a:rect l="0" t="0" r="0" b="0"/>
+            <a:pathLst>
+              <a:path w="120000" h="120000" extrusionOk="0">
+                <a:moveTo>
+                  <a:pt x="0" y="0"/>
+                </a:moveTo>
+                <a:lnTo>
+                  <a:pt x="120000" y="0"/>
+                </a:lnTo>
+                <a:lnTo>
+                  <a:pt x="120000" y="120000"/>
+                </a:lnTo>
+                <a:lnTo>
+                  <a:pt x="0" y="120000"/>
+                </a:lnTo>
+                <a:close/>
+              </a:path>
+            </a:pathLst>
+          </a:custGeom>
+        </p:spPr>
+      </p:sp>
+      <p:sp>
+        <p:nvSpPr>
+          <p:cNvPr id="347" name="Shape 347"/>
+          <p:cNvSpPr txBox="1">
+            <a:spLocks noGrp="1"/>
+          </p:cNvSpPr>
+          <p:nvPr>
+            <p:ph type="body" idx="1"/>
+          </p:nvPr>
+        </p:nvSpPr>
+        <p:spPr>
+          <a:xfrm>
+            <a:off x="685800" y="4343400"/>
+            <a:ext cx="5486400" cy="4114800"/>
+          </a:xfrm>
+          <a:prstGeom prst="rect">
+            <a:avLst/>
+          </a:prstGeom>
+        </p:spPr>
+        <p:txBody>
+          <a:bodyPr spcFirstLastPara="1" wrap="square" lIns="91425" tIns="91425" rIns="91425" bIns="91425" anchor="t" anchorCtr="0">
+            <a:noAutofit/>
+          </a:bodyPr>
+          <a:lstStyle/>
+          <a:p>
+            <a:pPr marL="0" lvl="0" indent="0">
+              <a:spcBef>
+                <a:spcPts val="0"/>
+              </a:spcBef>
+              <a:spcAft>
+                <a:spcPts val="0"/>
+              </a:spcAft>
+              <a:buNone/>
+            </a:pPr>
+            <a:endParaRPr/>
+          </a:p>
+        </p:txBody>
+      </p:sp>
+    </p:spTree>
+    <p:extLst>
+      <p:ext uri="{BB962C8B-B14F-4D97-AF65-F5344CB8AC3E}">
+        <p14:creationId xmlns:p14="http://schemas.microsoft.com/office/powerpoint/2010/main" val="488590766"/>
+      </p:ext>
+    </p:extLst>
+  </p:cSld>
+  <p:clrMapOvr>
+    <a:masterClrMapping/>
+  </p:clrMapOvr>
+</p:notes>
+</file>
+
+<file path=ppt/notesSlides/notesSlide18.xml><?xml version="1.0" encoding="utf-8"?>
 <p:notes xmlns:a="http://schemas.openxmlformats.org/drawingml/2006/main" xmlns:r="http://schemas.openxmlformats.org/officeDocument/2006/relationships" xmlns:p="http://schemas.openxmlformats.org/presentationml/2006/main" showMasterSp="0" showMasterPhAnim="0">
   <p:cSld>
     <p:spTree>
@@ -31383,7 +31493,7 @@
   <p:cSld>
     <p:spTree>
       <p:nvGrpSpPr>
-        <p:cNvPr id="1" name="Shape 541"/>
+        <p:cNvPr id="1" name="Shape 348"/>
         <p:cNvGrpSpPr/>
         <p:nvPr/>
       </p:nvGrpSpPr>
@@ -31395,145 +31505,20 @@
           <a:chExt cx="0" cy="0"/>
         </a:xfrm>
       </p:grpSpPr>
-      <p:pic>
-        <p:nvPicPr>
-          <p:cNvPr id="12" name="Afbeelding 16" descr="Afbeelding met persoon, kleding, vrouw, binnen&#10;&#10;Beschrijving is gegenereerd met zeer hoge betrouwbaarheid">
-            <a:extLst>
-              <a:ext uri="{FF2B5EF4-FFF2-40B4-BE49-F238E27FC236}">
-                <a16:creationId xmlns:a16="http://schemas.microsoft.com/office/drawing/2014/main" id="{F3668783-284D-43A5-8689-EA319718E25D}"/>
-              </a:ext>
-            </a:extLst>
-          </p:cNvPr>
-          <p:cNvPicPr>
-            <a:picLocks noChangeAspect="1"/>
-          </p:cNvPicPr>
-          <p:nvPr/>
-        </p:nvPicPr>
-        <p:blipFill rotWithShape="1">
-          <a:blip r:embed="rId3"/>
-          <a:srcRect l="-543" t="35" r="543" b="24082"/>
-          <a:stretch/>
-        </p:blipFill>
-        <p:spPr>
-          <a:xfrm>
-            <a:off x="6874452" y="3384882"/>
-            <a:ext cx="863662" cy="873838"/>
-          </a:xfrm>
-          <a:prstGeom prst="hexagon">
-            <a:avLst/>
-          </a:prstGeom>
-          <a:effectLst>
-            <a:softEdge rad="12700"/>
-          </a:effectLst>
-        </p:spPr>
-      </p:pic>
       <p:sp>
         <p:nvSpPr>
-          <p:cNvPr id="542" name="Shape 542"/>
-          <p:cNvSpPr/>
-          <p:nvPr/>
-        </p:nvSpPr>
-        <p:spPr>
-          <a:xfrm rot="-5400000">
-            <a:off x="1053600" y="533300"/>
-            <a:ext cx="1855800" cy="2142900"/>
-          </a:xfrm>
-          <a:custGeom>
-            <a:avLst/>
-            <a:gdLst/>
-            <a:ahLst/>
-            <a:cxnLst/>
-            <a:rect l="0" t="0" r="0" b="0"/>
-            <a:pathLst>
-              <a:path w="120000" h="120000" extrusionOk="0">
-                <a:moveTo>
-                  <a:pt x="60000" y="0"/>
-                </a:moveTo>
-                <a:lnTo>
-                  <a:pt x="120000" y="30000"/>
-                </a:lnTo>
-                <a:lnTo>
-                  <a:pt x="120000" y="90000"/>
-                </a:lnTo>
-                <a:lnTo>
-                  <a:pt x="60000" y="120000"/>
-                </a:lnTo>
-                <a:lnTo>
-                  <a:pt x="0" y="90000"/>
-                </a:lnTo>
-                <a:lnTo>
-                  <a:pt x="0" y="30000"/>
-                </a:lnTo>
-                <a:close/>
-              </a:path>
-            </a:pathLst>
-          </a:custGeom>
-          <a:gradFill>
-            <a:gsLst>
-              <a:gs pos="0">
-                <a:srgbClr val="3393E2"/>
-              </a:gs>
-              <a:gs pos="100000">
-                <a:srgbClr val="00E2C7"/>
-              </a:gs>
-            </a:gsLst>
-            <a:path path="circle">
-              <a:fillToRect l="100000" b="100000"/>
-            </a:path>
-            <a:tileRect t="-100000" r="-100000"/>
-          </a:gradFill>
-          <a:ln>
-            <a:noFill/>
-          </a:ln>
-        </p:spPr>
-        <p:txBody>
-          <a:bodyPr spcFirstLastPara="1" wrap="square" lIns="50800" tIns="50800" rIns="50800" bIns="50800" anchor="ctr" anchorCtr="0">
-            <a:noAutofit/>
-          </a:bodyPr>
-          <a:lstStyle/>
-          <a:p>
-            <a:pPr marL="0" marR="0" lvl="0" indent="0" algn="ctr" rtl="0">
-              <a:lnSpc>
-                <a:spcPct val="100000"/>
-              </a:lnSpc>
-              <a:spcBef>
-                <a:spcPts val="0"/>
-              </a:spcBef>
-              <a:spcAft>
-                <a:spcPts val="0"/>
-              </a:spcAft>
-              <a:buClr>
-                <a:srgbClr val="FFFFFF"/>
-              </a:buClr>
-              <a:buFont typeface="Helvetica Neue"/>
-              <a:buNone/>
-            </a:pPr>
-            <a:endParaRPr sz="3200" b="0" i="0" u="none" strike="noStrike" cap="none">
-              <a:solidFill>
-                <a:srgbClr val="FFFFFF"/>
-              </a:solidFill>
-              <a:latin typeface="Helvetica Neue"/>
-              <a:ea typeface="Helvetica Neue"/>
-              <a:cs typeface="Helvetica Neue"/>
-              <a:sym typeface="Helvetica Neue"/>
-            </a:endParaRPr>
-          </a:p>
-        </p:txBody>
-      </p:sp>
-      <p:sp>
-        <p:nvSpPr>
-          <p:cNvPr id="543" name="Shape 543"/>
+          <p:cNvPr id="349" name="Shape 349"/>
           <p:cNvSpPr txBox="1">
             <a:spLocks noGrp="1"/>
           </p:cNvSpPr>
           <p:nvPr>
-            <p:ph type="ctrTitle" idx="4294967295"/>
+            <p:ph type="ctrTitle"/>
           </p:nvPr>
         </p:nvSpPr>
         <p:spPr>
           <a:xfrm>
-            <a:off x="3152775" y="1354750"/>
-            <a:ext cx="4562100" cy="1159800"/>
+            <a:off x="2743200" y="1735750"/>
+            <a:ext cx="5638800" cy="1159800"/>
           </a:xfrm>
           <a:prstGeom prst="rect">
             <a:avLst/>
@@ -31555,27 +31540,27 @@
               <a:buNone/>
             </a:pPr>
             <a:r>
-              <a:rPr lang="nl-NL" sz="5000" dirty="0"/>
-              <a:t>Bedankt voor jullie tijd</a:t>
+              <a:rPr lang="nl-NL" dirty="0"/>
+              <a:t>Samenvatting</a:t>
             </a:r>
-            <a:endParaRPr sz="5000" dirty="0"/>
+            <a:endParaRPr dirty="0"/>
           </a:p>
         </p:txBody>
       </p:sp>
       <p:sp>
         <p:nvSpPr>
-          <p:cNvPr id="544" name="Shape 544"/>
+          <p:cNvPr id="350" name="Shape 350"/>
           <p:cNvSpPr txBox="1">
             <a:spLocks noGrp="1"/>
           </p:cNvSpPr>
           <p:nvPr>
-            <p:ph type="body" idx="4294967295"/>
+            <p:ph type="subTitle" idx="1"/>
           </p:nvPr>
         </p:nvSpPr>
         <p:spPr>
           <a:xfrm>
-            <a:off x="3286468" y="2400250"/>
-            <a:ext cx="4562100" cy="2461500"/>
+            <a:off x="2743200" y="2821004"/>
+            <a:ext cx="5696100" cy="784800"/>
           </a:xfrm>
           <a:prstGeom prst="rect">
             <a:avLst/>
@@ -31589,7 +31574,7 @@
           <a:p>
             <a:pPr marL="0" lvl="0" indent="0" rtl="0">
               <a:spcBef>
-                <a:spcPts val="600"/>
+                <a:spcPts val="0"/>
               </a:spcBef>
               <a:spcAft>
                 <a:spcPts val="0"/>
@@ -31597,894 +31582,57 @@
               <a:buNone/>
             </a:pPr>
             <a:r>
-              <a:rPr lang="nl-NL" sz="3600" b="1" dirty="0"/>
-              <a:t>Vragen?</a:t>
+              <a:rPr lang="nl-NL" dirty="0"/>
+              <a:t>Documentatie </a:t>
             </a:r>
-            <a:endParaRPr dirty="0"/>
-          </a:p>
-          <a:p>
-            <a:pPr marL="0" lvl="0" indent="0" rtl="0">
-              <a:spcBef>
-                <a:spcPts val="600"/>
-              </a:spcBef>
-              <a:spcAft>
-                <a:spcPts val="0"/>
-              </a:spcAft>
-              <a:buClr>
-                <a:schemeClr val="dk1"/>
-              </a:buClr>
-              <a:buSzPts val="1100"/>
-              <a:buFont typeface="Arial"/>
-              <a:buNone/>
-            </a:pPr>
+            <a:r>
+              <a:rPr lang="nl-NL" dirty="0" err="1"/>
+              <a:t>and</a:t>
+            </a:r>
             <a:r>
               <a:rPr lang="nl-NL" dirty="0"/>
-              <a:t>   Contact informatie</a:t>
-            </a:r>
-            <a:r>
-              <a:rPr lang="en" dirty="0"/>
-              <a:t>:</a:t>
+              <a:t> slides:</a:t>
             </a:r>
           </a:p>
           <a:p>
-            <a:pPr lvl="0"/>
+            <a:pPr marL="0" indent="0"/>
             <a:r>
               <a:rPr lang="nl-NL" dirty="0">
-                <a:hlinkClick r:id="rId4"/>
-              </a:rPr>
-              <a:t>t.aarts1@student.avans.nl</a:t>
-            </a:r>
-            <a:endParaRPr lang="nl-NL" dirty="0"/>
-          </a:p>
-          <a:p>
-            <a:pPr lvl="0"/>
-            <a:r>
-              <a:rPr lang="nl-NL" dirty="0">
-                <a:hlinkClick r:id="rId5"/>
-              </a:rPr>
-              <a:t>raberg1@avans.nl</a:t>
-            </a:r>
-            <a:endParaRPr lang="nl-NL" dirty="0"/>
-          </a:p>
-          <a:p>
-            <a:pPr marL="139700" lvl="0" indent="0">
-              <a:buNone/>
-            </a:pPr>
-            <a:endParaRPr lang="nl-NL" dirty="0"/>
-          </a:p>
-          <a:p>
-            <a:pPr marL="139700" lvl="0" indent="0">
-              <a:buNone/>
-            </a:pPr>
-            <a:r>
-              <a:rPr lang="nl-NL" dirty="0" err="1"/>
-              <a:t>Github</a:t>
-            </a:r>
-            <a:r>
-              <a:rPr lang="nl-NL" dirty="0"/>
-              <a:t>:</a:t>
-            </a:r>
-          </a:p>
-          <a:p>
-            <a:pPr marL="139700" lvl="0" indent="0">
-              <a:buNone/>
-            </a:pPr>
-            <a:r>
-              <a:rPr lang="nl-NL" dirty="0">
-                <a:hlinkClick r:id="rId6"/>
+                <a:hlinkClick r:id="rId3"/>
               </a:rPr>
               <a:t>https://github.com/Teunimli/cm_project</a:t>
             </a:r>
             <a:endParaRPr lang="nl-NL" dirty="0"/>
           </a:p>
           <a:p>
-            <a:pPr marL="139700" lvl="0" indent="0">
+            <a:pPr marL="0" lvl="0" indent="0" rtl="0">
+              <a:spcBef>
+                <a:spcPts val="0"/>
+              </a:spcBef>
+              <a:spcAft>
+                <a:spcPts val="0"/>
+              </a:spcAft>
               <a:buNone/>
             </a:pPr>
-            <a:endParaRPr lang="nl-NL" dirty="0"/>
+            <a:endParaRPr dirty="0"/>
           </a:p>
         </p:txBody>
       </p:sp>
       <p:sp>
         <p:nvSpPr>
-          <p:cNvPr id="545" name="Shape 545"/>
-          <p:cNvSpPr/>
+          <p:cNvPr id="351" name="Shape 351"/>
+          <p:cNvSpPr txBox="1"/>
           <p:nvPr/>
         </p:nvSpPr>
         <p:spPr>
           <a:xfrm>
-            <a:off x="1591719" y="1212580"/>
-            <a:ext cx="779561" cy="779561"/>
+            <a:off x="409575" y="1676400"/>
+            <a:ext cx="2067000" cy="1771800"/>
           </a:xfrm>
-          <a:custGeom>
+          <a:prstGeom prst="rect">
             <a:avLst/>
-            <a:gdLst/>
-            <a:ahLst/>
-            <a:cxnLst/>
-            <a:rect l="0" t="0" r="0" b="0"/>
-            <a:pathLst>
-              <a:path w="15290" h="15290" extrusionOk="0">
-                <a:moveTo>
-                  <a:pt x="4519" y="6815"/>
-                </a:moveTo>
-                <a:lnTo>
-                  <a:pt x="4690" y="6839"/>
-                </a:lnTo>
-                <a:lnTo>
-                  <a:pt x="4861" y="6888"/>
-                </a:lnTo>
-                <a:lnTo>
-                  <a:pt x="5007" y="6986"/>
-                </a:lnTo>
-                <a:lnTo>
-                  <a:pt x="5154" y="7084"/>
-                </a:lnTo>
-                <a:lnTo>
-                  <a:pt x="5251" y="7230"/>
-                </a:lnTo>
-                <a:lnTo>
-                  <a:pt x="5325" y="7401"/>
-                </a:lnTo>
-                <a:lnTo>
-                  <a:pt x="5374" y="7572"/>
-                </a:lnTo>
-                <a:lnTo>
-                  <a:pt x="5398" y="7767"/>
-                </a:lnTo>
-                <a:lnTo>
-                  <a:pt x="5374" y="7963"/>
-                </a:lnTo>
-                <a:lnTo>
-                  <a:pt x="5325" y="8134"/>
-                </a:lnTo>
-                <a:lnTo>
-                  <a:pt x="5251" y="8305"/>
-                </a:lnTo>
-                <a:lnTo>
-                  <a:pt x="5154" y="8451"/>
-                </a:lnTo>
-                <a:lnTo>
-                  <a:pt x="5007" y="8549"/>
-                </a:lnTo>
-                <a:lnTo>
-                  <a:pt x="4861" y="8647"/>
-                </a:lnTo>
-                <a:lnTo>
-                  <a:pt x="4690" y="8696"/>
-                </a:lnTo>
-                <a:lnTo>
-                  <a:pt x="4519" y="8720"/>
-                </a:lnTo>
-                <a:lnTo>
-                  <a:pt x="4348" y="8696"/>
-                </a:lnTo>
-                <a:lnTo>
-                  <a:pt x="4177" y="8647"/>
-                </a:lnTo>
-                <a:lnTo>
-                  <a:pt x="4030" y="8549"/>
-                </a:lnTo>
-                <a:lnTo>
-                  <a:pt x="3884" y="8451"/>
-                </a:lnTo>
-                <a:lnTo>
-                  <a:pt x="3786" y="8305"/>
-                </a:lnTo>
-                <a:lnTo>
-                  <a:pt x="3713" y="8134"/>
-                </a:lnTo>
-                <a:lnTo>
-                  <a:pt x="3664" y="7963"/>
-                </a:lnTo>
-                <a:lnTo>
-                  <a:pt x="3640" y="7767"/>
-                </a:lnTo>
-                <a:lnTo>
-                  <a:pt x="3664" y="7572"/>
-                </a:lnTo>
-                <a:lnTo>
-                  <a:pt x="3713" y="7401"/>
-                </a:lnTo>
-                <a:lnTo>
-                  <a:pt x="3786" y="7230"/>
-                </a:lnTo>
-                <a:lnTo>
-                  <a:pt x="3884" y="7084"/>
-                </a:lnTo>
-                <a:lnTo>
-                  <a:pt x="4030" y="6986"/>
-                </a:lnTo>
-                <a:lnTo>
-                  <a:pt x="4177" y="6888"/>
-                </a:lnTo>
-                <a:lnTo>
-                  <a:pt x="4348" y="6839"/>
-                </a:lnTo>
-                <a:lnTo>
-                  <a:pt x="4519" y="6815"/>
-                </a:lnTo>
-                <a:close/>
-                <a:moveTo>
-                  <a:pt x="10771" y="6815"/>
-                </a:moveTo>
-                <a:lnTo>
-                  <a:pt x="10942" y="6839"/>
-                </a:lnTo>
-                <a:lnTo>
-                  <a:pt x="11113" y="6888"/>
-                </a:lnTo>
-                <a:lnTo>
-                  <a:pt x="11260" y="6986"/>
-                </a:lnTo>
-                <a:lnTo>
-                  <a:pt x="11406" y="7084"/>
-                </a:lnTo>
-                <a:lnTo>
-                  <a:pt x="11504" y="7230"/>
-                </a:lnTo>
-                <a:lnTo>
-                  <a:pt x="11577" y="7401"/>
-                </a:lnTo>
-                <a:lnTo>
-                  <a:pt x="11626" y="7572"/>
-                </a:lnTo>
-                <a:lnTo>
-                  <a:pt x="11650" y="7767"/>
-                </a:lnTo>
-                <a:lnTo>
-                  <a:pt x="11626" y="7963"/>
-                </a:lnTo>
-                <a:lnTo>
-                  <a:pt x="11577" y="8134"/>
-                </a:lnTo>
-                <a:lnTo>
-                  <a:pt x="11504" y="8305"/>
-                </a:lnTo>
-                <a:lnTo>
-                  <a:pt x="11406" y="8451"/>
-                </a:lnTo>
-                <a:lnTo>
-                  <a:pt x="11260" y="8549"/>
-                </a:lnTo>
-                <a:lnTo>
-                  <a:pt x="11113" y="8647"/>
-                </a:lnTo>
-                <a:lnTo>
-                  <a:pt x="10942" y="8696"/>
-                </a:lnTo>
-                <a:lnTo>
-                  <a:pt x="10771" y="8720"/>
-                </a:lnTo>
-                <a:lnTo>
-                  <a:pt x="10600" y="8696"/>
-                </a:lnTo>
-                <a:lnTo>
-                  <a:pt x="10429" y="8647"/>
-                </a:lnTo>
-                <a:lnTo>
-                  <a:pt x="10283" y="8549"/>
-                </a:lnTo>
-                <a:lnTo>
-                  <a:pt x="10136" y="8451"/>
-                </a:lnTo>
-                <a:lnTo>
-                  <a:pt x="10038" y="8305"/>
-                </a:lnTo>
-                <a:lnTo>
-                  <a:pt x="9965" y="8134"/>
-                </a:lnTo>
-                <a:lnTo>
-                  <a:pt x="9916" y="7963"/>
-                </a:lnTo>
-                <a:lnTo>
-                  <a:pt x="9892" y="7767"/>
-                </a:lnTo>
-                <a:lnTo>
-                  <a:pt x="9916" y="7572"/>
-                </a:lnTo>
-                <a:lnTo>
-                  <a:pt x="9965" y="7401"/>
-                </a:lnTo>
-                <a:lnTo>
-                  <a:pt x="10038" y="7230"/>
-                </a:lnTo>
-                <a:lnTo>
-                  <a:pt x="10136" y="7084"/>
-                </a:lnTo>
-                <a:lnTo>
-                  <a:pt x="10283" y="6986"/>
-                </a:lnTo>
-                <a:lnTo>
-                  <a:pt x="10429" y="6888"/>
-                </a:lnTo>
-                <a:lnTo>
-                  <a:pt x="10600" y="6839"/>
-                </a:lnTo>
-                <a:lnTo>
-                  <a:pt x="10771" y="6815"/>
-                </a:lnTo>
-                <a:close/>
-                <a:moveTo>
-                  <a:pt x="11308" y="10210"/>
-                </a:moveTo>
-                <a:lnTo>
-                  <a:pt x="11406" y="10234"/>
-                </a:lnTo>
-                <a:lnTo>
-                  <a:pt x="11479" y="10259"/>
-                </a:lnTo>
-                <a:lnTo>
-                  <a:pt x="11577" y="10307"/>
-                </a:lnTo>
-                <a:lnTo>
-                  <a:pt x="11650" y="10356"/>
-                </a:lnTo>
-                <a:lnTo>
-                  <a:pt x="11699" y="10430"/>
-                </a:lnTo>
-                <a:lnTo>
-                  <a:pt x="11748" y="10527"/>
-                </a:lnTo>
-                <a:lnTo>
-                  <a:pt x="11772" y="10625"/>
-                </a:lnTo>
-                <a:lnTo>
-                  <a:pt x="11797" y="10698"/>
-                </a:lnTo>
-                <a:lnTo>
-                  <a:pt x="11772" y="10796"/>
-                </a:lnTo>
-                <a:lnTo>
-                  <a:pt x="11748" y="10894"/>
-                </a:lnTo>
-                <a:lnTo>
-                  <a:pt x="11699" y="10967"/>
-                </a:lnTo>
-                <a:lnTo>
-                  <a:pt x="11650" y="11065"/>
-                </a:lnTo>
-                <a:lnTo>
-                  <a:pt x="11235" y="11431"/>
-                </a:lnTo>
-                <a:lnTo>
-                  <a:pt x="10795" y="11773"/>
-                </a:lnTo>
-                <a:lnTo>
-                  <a:pt x="10307" y="12041"/>
-                </a:lnTo>
-                <a:lnTo>
-                  <a:pt x="9819" y="12286"/>
-                </a:lnTo>
-                <a:lnTo>
-                  <a:pt x="9281" y="12457"/>
-                </a:lnTo>
-                <a:lnTo>
-                  <a:pt x="8768" y="12603"/>
-                </a:lnTo>
-                <a:lnTo>
-                  <a:pt x="8207" y="12676"/>
-                </a:lnTo>
-                <a:lnTo>
-                  <a:pt x="7645" y="12701"/>
-                </a:lnTo>
-                <a:lnTo>
-                  <a:pt x="7083" y="12676"/>
-                </a:lnTo>
-                <a:lnTo>
-                  <a:pt x="6521" y="12603"/>
-                </a:lnTo>
-                <a:lnTo>
-                  <a:pt x="6009" y="12457"/>
-                </a:lnTo>
-                <a:lnTo>
-                  <a:pt x="5471" y="12286"/>
-                </a:lnTo>
-                <a:lnTo>
-                  <a:pt x="4983" y="12041"/>
-                </a:lnTo>
-                <a:lnTo>
-                  <a:pt x="4494" y="11773"/>
-                </a:lnTo>
-                <a:lnTo>
-                  <a:pt x="4055" y="11431"/>
-                </a:lnTo>
-                <a:lnTo>
-                  <a:pt x="3640" y="11065"/>
-                </a:lnTo>
-                <a:lnTo>
-                  <a:pt x="3591" y="10967"/>
-                </a:lnTo>
-                <a:lnTo>
-                  <a:pt x="3542" y="10894"/>
-                </a:lnTo>
-                <a:lnTo>
-                  <a:pt x="3517" y="10796"/>
-                </a:lnTo>
-                <a:lnTo>
-                  <a:pt x="3493" y="10698"/>
-                </a:lnTo>
-                <a:lnTo>
-                  <a:pt x="3517" y="10625"/>
-                </a:lnTo>
-                <a:lnTo>
-                  <a:pt x="3542" y="10527"/>
-                </a:lnTo>
-                <a:lnTo>
-                  <a:pt x="3591" y="10430"/>
-                </a:lnTo>
-                <a:lnTo>
-                  <a:pt x="3640" y="10356"/>
-                </a:lnTo>
-                <a:lnTo>
-                  <a:pt x="3713" y="10307"/>
-                </a:lnTo>
-                <a:lnTo>
-                  <a:pt x="3811" y="10259"/>
-                </a:lnTo>
-                <a:lnTo>
-                  <a:pt x="3884" y="10234"/>
-                </a:lnTo>
-                <a:lnTo>
-                  <a:pt x="3981" y="10210"/>
-                </a:lnTo>
-                <a:lnTo>
-                  <a:pt x="4079" y="10234"/>
-                </a:lnTo>
-                <a:lnTo>
-                  <a:pt x="4177" y="10259"/>
-                </a:lnTo>
-                <a:lnTo>
-                  <a:pt x="4250" y="10307"/>
-                </a:lnTo>
-                <a:lnTo>
-                  <a:pt x="4323" y="10356"/>
-                </a:lnTo>
-                <a:lnTo>
-                  <a:pt x="4690" y="10674"/>
-                </a:lnTo>
-                <a:lnTo>
-                  <a:pt x="5056" y="10942"/>
-                </a:lnTo>
-                <a:lnTo>
-                  <a:pt x="5447" y="11187"/>
-                </a:lnTo>
-                <a:lnTo>
-                  <a:pt x="5862" y="11382"/>
-                </a:lnTo>
-                <a:lnTo>
-                  <a:pt x="6277" y="11529"/>
-                </a:lnTo>
-                <a:lnTo>
-                  <a:pt x="6717" y="11651"/>
-                </a:lnTo>
-                <a:lnTo>
-                  <a:pt x="7181" y="11700"/>
-                </a:lnTo>
-                <a:lnTo>
-                  <a:pt x="7645" y="11724"/>
-                </a:lnTo>
-                <a:lnTo>
-                  <a:pt x="8109" y="11700"/>
-                </a:lnTo>
-                <a:lnTo>
-                  <a:pt x="8573" y="11651"/>
-                </a:lnTo>
-                <a:lnTo>
-                  <a:pt x="9013" y="11529"/>
-                </a:lnTo>
-                <a:lnTo>
-                  <a:pt x="9428" y="11382"/>
-                </a:lnTo>
-                <a:lnTo>
-                  <a:pt x="9843" y="11187"/>
-                </a:lnTo>
-                <a:lnTo>
-                  <a:pt x="10234" y="10942"/>
-                </a:lnTo>
-                <a:lnTo>
-                  <a:pt x="10600" y="10674"/>
-                </a:lnTo>
-                <a:lnTo>
-                  <a:pt x="10966" y="10356"/>
-                </a:lnTo>
-                <a:lnTo>
-                  <a:pt x="11040" y="10307"/>
-                </a:lnTo>
-                <a:lnTo>
-                  <a:pt x="11113" y="10259"/>
-                </a:lnTo>
-                <a:lnTo>
-                  <a:pt x="11211" y="10234"/>
-                </a:lnTo>
-                <a:lnTo>
-                  <a:pt x="11308" y="10210"/>
-                </a:lnTo>
-                <a:close/>
-                <a:moveTo>
-                  <a:pt x="7254" y="1"/>
-                </a:moveTo>
-                <a:lnTo>
-                  <a:pt x="6863" y="50"/>
-                </a:lnTo>
-                <a:lnTo>
-                  <a:pt x="6473" y="99"/>
-                </a:lnTo>
-                <a:lnTo>
-                  <a:pt x="6106" y="147"/>
-                </a:lnTo>
-                <a:lnTo>
-                  <a:pt x="5740" y="245"/>
-                </a:lnTo>
-                <a:lnTo>
-                  <a:pt x="5374" y="343"/>
-                </a:lnTo>
-                <a:lnTo>
-                  <a:pt x="5007" y="465"/>
-                </a:lnTo>
-                <a:lnTo>
-                  <a:pt x="4665" y="611"/>
-                </a:lnTo>
-                <a:lnTo>
-                  <a:pt x="4323" y="758"/>
-                </a:lnTo>
-                <a:lnTo>
-                  <a:pt x="4006" y="929"/>
-                </a:lnTo>
-                <a:lnTo>
-                  <a:pt x="3688" y="1100"/>
-                </a:lnTo>
-                <a:lnTo>
-                  <a:pt x="3371" y="1295"/>
-                </a:lnTo>
-                <a:lnTo>
-                  <a:pt x="3078" y="1515"/>
-                </a:lnTo>
-                <a:lnTo>
-                  <a:pt x="2785" y="1735"/>
-                </a:lnTo>
-                <a:lnTo>
-                  <a:pt x="2516" y="1979"/>
-                </a:lnTo>
-                <a:lnTo>
-                  <a:pt x="2247" y="2248"/>
-                </a:lnTo>
-                <a:lnTo>
-                  <a:pt x="1979" y="2516"/>
-                </a:lnTo>
-                <a:lnTo>
-                  <a:pt x="1735" y="2785"/>
-                </a:lnTo>
-                <a:lnTo>
-                  <a:pt x="1515" y="3078"/>
-                </a:lnTo>
-                <a:lnTo>
-                  <a:pt x="1295" y="3371"/>
-                </a:lnTo>
-                <a:lnTo>
-                  <a:pt x="1100" y="3689"/>
-                </a:lnTo>
-                <a:lnTo>
-                  <a:pt x="929" y="4006"/>
-                </a:lnTo>
-                <a:lnTo>
-                  <a:pt x="758" y="4324"/>
-                </a:lnTo>
-                <a:lnTo>
-                  <a:pt x="611" y="4666"/>
-                </a:lnTo>
-                <a:lnTo>
-                  <a:pt x="465" y="5008"/>
-                </a:lnTo>
-                <a:lnTo>
-                  <a:pt x="342" y="5374"/>
-                </a:lnTo>
-                <a:lnTo>
-                  <a:pt x="245" y="5740"/>
-                </a:lnTo>
-                <a:lnTo>
-                  <a:pt x="147" y="6107"/>
-                </a:lnTo>
-                <a:lnTo>
-                  <a:pt x="98" y="6473"/>
-                </a:lnTo>
-                <a:lnTo>
-                  <a:pt x="49" y="6864"/>
-                </a:lnTo>
-                <a:lnTo>
-                  <a:pt x="1" y="7255"/>
-                </a:lnTo>
-                <a:lnTo>
-                  <a:pt x="1" y="7645"/>
-                </a:lnTo>
-                <a:lnTo>
-                  <a:pt x="1" y="8036"/>
-                </a:lnTo>
-                <a:lnTo>
-                  <a:pt x="49" y="8427"/>
-                </a:lnTo>
-                <a:lnTo>
-                  <a:pt x="98" y="8818"/>
-                </a:lnTo>
-                <a:lnTo>
-                  <a:pt x="147" y="9184"/>
-                </a:lnTo>
-                <a:lnTo>
-                  <a:pt x="245" y="9550"/>
-                </a:lnTo>
-                <a:lnTo>
-                  <a:pt x="342" y="9917"/>
-                </a:lnTo>
-                <a:lnTo>
-                  <a:pt x="465" y="10283"/>
-                </a:lnTo>
-                <a:lnTo>
-                  <a:pt x="611" y="10625"/>
-                </a:lnTo>
-                <a:lnTo>
-                  <a:pt x="758" y="10967"/>
-                </a:lnTo>
-                <a:lnTo>
-                  <a:pt x="929" y="11284"/>
-                </a:lnTo>
-                <a:lnTo>
-                  <a:pt x="1100" y="11602"/>
-                </a:lnTo>
-                <a:lnTo>
-                  <a:pt x="1295" y="11919"/>
-                </a:lnTo>
-                <a:lnTo>
-                  <a:pt x="1515" y="12212"/>
-                </a:lnTo>
-                <a:lnTo>
-                  <a:pt x="1735" y="12506"/>
-                </a:lnTo>
-                <a:lnTo>
-                  <a:pt x="1979" y="12774"/>
-                </a:lnTo>
-                <a:lnTo>
-                  <a:pt x="2247" y="13043"/>
-                </a:lnTo>
-                <a:lnTo>
-                  <a:pt x="2516" y="13311"/>
-                </a:lnTo>
-                <a:lnTo>
-                  <a:pt x="2785" y="13556"/>
-                </a:lnTo>
-                <a:lnTo>
-                  <a:pt x="3078" y="13776"/>
-                </a:lnTo>
-                <a:lnTo>
-                  <a:pt x="3371" y="13995"/>
-                </a:lnTo>
-                <a:lnTo>
-                  <a:pt x="3688" y="14191"/>
-                </a:lnTo>
-                <a:lnTo>
-                  <a:pt x="4006" y="14362"/>
-                </a:lnTo>
-                <a:lnTo>
-                  <a:pt x="4323" y="14533"/>
-                </a:lnTo>
-                <a:lnTo>
-                  <a:pt x="4665" y="14679"/>
-                </a:lnTo>
-                <a:lnTo>
-                  <a:pt x="5007" y="14826"/>
-                </a:lnTo>
-                <a:lnTo>
-                  <a:pt x="5374" y="14948"/>
-                </a:lnTo>
-                <a:lnTo>
-                  <a:pt x="5740" y="15046"/>
-                </a:lnTo>
-                <a:lnTo>
-                  <a:pt x="6106" y="15143"/>
-                </a:lnTo>
-                <a:lnTo>
-                  <a:pt x="6473" y="15192"/>
-                </a:lnTo>
-                <a:lnTo>
-                  <a:pt x="6863" y="15241"/>
-                </a:lnTo>
-                <a:lnTo>
-                  <a:pt x="7254" y="15290"/>
-                </a:lnTo>
-                <a:lnTo>
-                  <a:pt x="8036" y="15290"/>
-                </a:lnTo>
-                <a:lnTo>
-                  <a:pt x="8426" y="15241"/>
-                </a:lnTo>
-                <a:lnTo>
-                  <a:pt x="8817" y="15192"/>
-                </a:lnTo>
-                <a:lnTo>
-                  <a:pt x="9184" y="15143"/>
-                </a:lnTo>
-                <a:lnTo>
-                  <a:pt x="9550" y="15046"/>
-                </a:lnTo>
-                <a:lnTo>
-                  <a:pt x="9916" y="14948"/>
-                </a:lnTo>
-                <a:lnTo>
-                  <a:pt x="10283" y="14826"/>
-                </a:lnTo>
-                <a:lnTo>
-                  <a:pt x="10625" y="14679"/>
-                </a:lnTo>
-                <a:lnTo>
-                  <a:pt x="10966" y="14533"/>
-                </a:lnTo>
-                <a:lnTo>
-                  <a:pt x="11284" y="14362"/>
-                </a:lnTo>
-                <a:lnTo>
-                  <a:pt x="11601" y="14191"/>
-                </a:lnTo>
-                <a:lnTo>
-                  <a:pt x="11919" y="13995"/>
-                </a:lnTo>
-                <a:lnTo>
-                  <a:pt x="12212" y="13776"/>
-                </a:lnTo>
-                <a:lnTo>
-                  <a:pt x="12505" y="13556"/>
-                </a:lnTo>
-                <a:lnTo>
-                  <a:pt x="12774" y="13311"/>
-                </a:lnTo>
-                <a:lnTo>
-                  <a:pt x="13042" y="13043"/>
-                </a:lnTo>
-                <a:lnTo>
-                  <a:pt x="13311" y="12774"/>
-                </a:lnTo>
-                <a:lnTo>
-                  <a:pt x="13555" y="12506"/>
-                </a:lnTo>
-                <a:lnTo>
-                  <a:pt x="13775" y="12212"/>
-                </a:lnTo>
-                <a:lnTo>
-                  <a:pt x="13995" y="11919"/>
-                </a:lnTo>
-                <a:lnTo>
-                  <a:pt x="14190" y="11602"/>
-                </a:lnTo>
-                <a:lnTo>
-                  <a:pt x="14361" y="11284"/>
-                </a:lnTo>
-                <a:lnTo>
-                  <a:pt x="14532" y="10967"/>
-                </a:lnTo>
-                <a:lnTo>
-                  <a:pt x="14679" y="10625"/>
-                </a:lnTo>
-                <a:lnTo>
-                  <a:pt x="14825" y="10283"/>
-                </a:lnTo>
-                <a:lnTo>
-                  <a:pt x="14947" y="9917"/>
-                </a:lnTo>
-                <a:lnTo>
-                  <a:pt x="15045" y="9550"/>
-                </a:lnTo>
-                <a:lnTo>
-                  <a:pt x="15143" y="9184"/>
-                </a:lnTo>
-                <a:lnTo>
-                  <a:pt x="15192" y="8818"/>
-                </a:lnTo>
-                <a:lnTo>
-                  <a:pt x="15240" y="8427"/>
-                </a:lnTo>
-                <a:lnTo>
-                  <a:pt x="15289" y="8036"/>
-                </a:lnTo>
-                <a:lnTo>
-                  <a:pt x="15289" y="7645"/>
-                </a:lnTo>
-                <a:lnTo>
-                  <a:pt x="15289" y="7255"/>
-                </a:lnTo>
-                <a:lnTo>
-                  <a:pt x="15240" y="6864"/>
-                </a:lnTo>
-                <a:lnTo>
-                  <a:pt x="15192" y="6473"/>
-                </a:lnTo>
-                <a:lnTo>
-                  <a:pt x="15143" y="6107"/>
-                </a:lnTo>
-                <a:lnTo>
-                  <a:pt x="15045" y="5740"/>
-                </a:lnTo>
-                <a:lnTo>
-                  <a:pt x="14947" y="5374"/>
-                </a:lnTo>
-                <a:lnTo>
-                  <a:pt x="14825" y="5008"/>
-                </a:lnTo>
-                <a:lnTo>
-                  <a:pt x="14679" y="4666"/>
-                </a:lnTo>
-                <a:lnTo>
-                  <a:pt x="14532" y="4324"/>
-                </a:lnTo>
-                <a:lnTo>
-                  <a:pt x="14361" y="4006"/>
-                </a:lnTo>
-                <a:lnTo>
-                  <a:pt x="14190" y="3689"/>
-                </a:lnTo>
-                <a:lnTo>
-                  <a:pt x="13995" y="3371"/>
-                </a:lnTo>
-                <a:lnTo>
-                  <a:pt x="13775" y="3078"/>
-                </a:lnTo>
-                <a:lnTo>
-                  <a:pt x="13555" y="2785"/>
-                </a:lnTo>
-                <a:lnTo>
-                  <a:pt x="13311" y="2516"/>
-                </a:lnTo>
-                <a:lnTo>
-                  <a:pt x="13042" y="2248"/>
-                </a:lnTo>
-                <a:lnTo>
-                  <a:pt x="12774" y="1979"/>
-                </a:lnTo>
-                <a:lnTo>
-                  <a:pt x="12505" y="1735"/>
-                </a:lnTo>
-                <a:lnTo>
-                  <a:pt x="12212" y="1515"/>
-                </a:lnTo>
-                <a:lnTo>
-                  <a:pt x="11919" y="1295"/>
-                </a:lnTo>
-                <a:lnTo>
-                  <a:pt x="11601" y="1100"/>
-                </a:lnTo>
-                <a:lnTo>
-                  <a:pt x="11284" y="929"/>
-                </a:lnTo>
-                <a:lnTo>
-                  <a:pt x="10966" y="758"/>
-                </a:lnTo>
-                <a:lnTo>
-                  <a:pt x="10625" y="611"/>
-                </a:lnTo>
-                <a:lnTo>
-                  <a:pt x="10283" y="465"/>
-                </a:lnTo>
-                <a:lnTo>
-                  <a:pt x="9916" y="343"/>
-                </a:lnTo>
-                <a:lnTo>
-                  <a:pt x="9550" y="245"/>
-                </a:lnTo>
-                <a:lnTo>
-                  <a:pt x="9184" y="147"/>
-                </a:lnTo>
-                <a:lnTo>
-                  <a:pt x="8817" y="99"/>
-                </a:lnTo>
-                <a:lnTo>
-                  <a:pt x="8426" y="50"/>
-                </a:lnTo>
-                <a:lnTo>
-                  <a:pt x="8036" y="1"/>
-                </a:lnTo>
-                <a:close/>
-              </a:path>
-            </a:pathLst>
-          </a:custGeom>
-          <a:solidFill>
-            <a:srgbClr val="FFFFFF"/>
-          </a:solidFill>
+          </a:prstGeom>
+          <a:noFill/>
           <a:ln>
             <a:noFill/>
           </a:ln>
@@ -32495,7 +31643,7 @@
           </a:bodyPr>
           <a:lstStyle/>
           <a:p>
-            <a:pPr marL="0" lvl="0" indent="0">
+            <a:pPr marL="0" lvl="0" indent="0" algn="ctr">
               <a:spcBef>
                 <a:spcPts val="0"/>
               </a:spcBef>
@@ -32504,236 +31652,28 @@
               </a:spcAft>
               <a:buNone/>
             </a:pPr>
-            <a:endParaRPr/>
+            <a:r>
+              <a:rPr lang="en" sz="4800" b="1" dirty="0">
+                <a:solidFill>
+                  <a:srgbClr val="FFFFFF"/>
+                </a:solidFill>
+                <a:latin typeface="Nixie One"/>
+                <a:sym typeface="Nixie One"/>
+              </a:rPr>
+              <a:t>3</a:t>
+            </a:r>
+            <a:endParaRPr b="1" dirty="0">
+              <a:solidFill>
+                <a:srgbClr val="FFFFFF"/>
+              </a:solidFill>
+            </a:endParaRPr>
           </a:p>
         </p:txBody>
       </p:sp>
-      <p:pic>
-        <p:nvPicPr>
-          <p:cNvPr id="6" name="Shape 402">
-            <a:extLst>
-              <a:ext uri="{FF2B5EF4-FFF2-40B4-BE49-F238E27FC236}">
-                <a16:creationId xmlns:a16="http://schemas.microsoft.com/office/drawing/2014/main" id="{B1DE4C56-DCC6-45DD-B503-0459463671AC}"/>
-              </a:ext>
-            </a:extLst>
-          </p:cNvPr>
-          <p:cNvPicPr preferRelativeResize="0"/>
-          <p:nvPr/>
-        </p:nvPicPr>
-        <p:blipFill>
-          <a:blip r:embed="rId7"/>
-          <a:stretch>
-            <a:fillRect/>
-          </a:stretch>
-        </p:blipFill>
-        <p:spPr>
-          <a:xfrm>
-            <a:off x="7479050" y="2930467"/>
-            <a:ext cx="902331" cy="902331"/>
-          </a:xfrm>
-          <a:prstGeom prst="hexagon">
-            <a:avLst>
-              <a:gd name="adj" fmla="val 28504"/>
-              <a:gd name="vf" fmla="val 115470"/>
-            </a:avLst>
-          </a:prstGeom>
-          <a:noFill/>
-          <a:ln>
-            <a:noFill/>
-          </a:ln>
-          <a:effectLst>
-            <a:outerShdw blurRad="57150" dist="19050" dir="5400000" algn="bl" rotWithShape="0">
-              <a:srgbClr val="000000">
-                <a:alpha val="50000"/>
-              </a:srgbClr>
-            </a:outerShdw>
-          </a:effectLst>
-        </p:spPr>
-      </p:pic>
-      <p:pic>
-        <p:nvPicPr>
-          <p:cNvPr id="7" name="Shape 402">
-            <a:extLst>
-              <a:ext uri="{FF2B5EF4-FFF2-40B4-BE49-F238E27FC236}">
-                <a16:creationId xmlns:a16="http://schemas.microsoft.com/office/drawing/2014/main" id="{A0845828-6F03-4AF6-B57C-A7FE6A9D455A}"/>
-              </a:ext>
-            </a:extLst>
-          </p:cNvPr>
-          <p:cNvPicPr preferRelativeResize="0"/>
-          <p:nvPr/>
-        </p:nvPicPr>
-        <p:blipFill>
-          <a:blip r:embed="rId8"/>
-          <a:stretch>
-            <a:fillRect/>
-          </a:stretch>
-        </p:blipFill>
-        <p:spPr>
-          <a:xfrm>
-            <a:off x="6244514" y="2925659"/>
-            <a:ext cx="902331" cy="902331"/>
-          </a:xfrm>
-          <a:prstGeom prst="hexagon">
-            <a:avLst>
-              <a:gd name="adj" fmla="val 28504"/>
-              <a:gd name="vf" fmla="val 115470"/>
-            </a:avLst>
-          </a:prstGeom>
-          <a:noFill/>
-          <a:ln>
-            <a:noFill/>
-          </a:ln>
-          <a:effectLst>
-            <a:outerShdw blurRad="57150" dist="19050" dir="5400000" algn="bl" rotWithShape="0">
-              <a:srgbClr val="000000">
-                <a:alpha val="50000"/>
-              </a:srgbClr>
-            </a:outerShdw>
-          </a:effectLst>
-        </p:spPr>
-      </p:pic>
-      <p:pic>
-        <p:nvPicPr>
-          <p:cNvPr id="8" name="Shape 402">
-            <a:extLst>
-              <a:ext uri="{FF2B5EF4-FFF2-40B4-BE49-F238E27FC236}">
-                <a16:creationId xmlns:a16="http://schemas.microsoft.com/office/drawing/2014/main" id="{724DD41D-BD2F-4BAD-9380-6E3900EA9F3E}"/>
-              </a:ext>
-            </a:extLst>
-          </p:cNvPr>
-          <p:cNvPicPr preferRelativeResize="0"/>
-          <p:nvPr/>
-        </p:nvPicPr>
-        <p:blipFill>
-          <a:blip r:embed="rId9"/>
-          <a:stretch>
-            <a:fillRect/>
-          </a:stretch>
-        </p:blipFill>
-        <p:spPr>
-          <a:xfrm>
-            <a:off x="6209297" y="2120584"/>
-            <a:ext cx="902331" cy="902331"/>
-          </a:xfrm>
-          <a:prstGeom prst="hexagon">
-            <a:avLst>
-              <a:gd name="adj" fmla="val 28504"/>
-              <a:gd name="vf" fmla="val 115470"/>
-            </a:avLst>
-          </a:prstGeom>
-          <a:noFill/>
-          <a:ln>
-            <a:noFill/>
-          </a:ln>
-          <a:effectLst>
-            <a:outerShdw blurRad="57150" dist="19050" dir="5400000" algn="bl" rotWithShape="0">
-              <a:srgbClr val="000000">
-                <a:alpha val="50000"/>
-              </a:srgbClr>
-            </a:outerShdw>
-          </a:effectLst>
-        </p:spPr>
-      </p:pic>
-      <p:pic>
-        <p:nvPicPr>
-          <p:cNvPr id="9" name="Afbeelding 10" descr="Afbeelding met persoon, binnen, muur&#10;&#10;Beschrijving is gegenereerd met zeer hoge betrouwbaarheid">
-            <a:extLst>
-              <a:ext uri="{FF2B5EF4-FFF2-40B4-BE49-F238E27FC236}">
-                <a16:creationId xmlns:a16="http://schemas.microsoft.com/office/drawing/2014/main" id="{FBBE6CE8-8A09-4C8E-ADF1-BB1670F1904C}"/>
-              </a:ext>
-            </a:extLst>
-          </p:cNvPr>
-          <p:cNvPicPr>
-            <a:picLocks noChangeAspect="1"/>
-          </p:cNvPicPr>
-          <p:nvPr/>
-        </p:nvPicPr>
-        <p:blipFill rotWithShape="1">
-          <a:blip r:embed="rId10"/>
-          <a:srcRect t="10633" b="17221"/>
-          <a:stretch/>
-        </p:blipFill>
-        <p:spPr>
-          <a:xfrm>
-            <a:off x="7479049" y="2181759"/>
-            <a:ext cx="972766" cy="935758"/>
-          </a:xfrm>
-          <a:prstGeom prst="hexagon">
-            <a:avLst/>
-          </a:prstGeom>
-          <a:effectLst>
-            <a:softEdge rad="12700"/>
-          </a:effectLst>
-        </p:spPr>
-      </p:pic>
-      <p:pic>
-        <p:nvPicPr>
-          <p:cNvPr id="10" name="Afbeelding 12" descr="Afbeelding met persoon, muur, man, binnen&#10;&#10;Beschrijving is gegenereerd met zeer hoge betrouwbaarheid">
-            <a:extLst>
-              <a:ext uri="{FF2B5EF4-FFF2-40B4-BE49-F238E27FC236}">
-                <a16:creationId xmlns:a16="http://schemas.microsoft.com/office/drawing/2014/main" id="{6856DEFF-4497-4671-A00B-FDF494A4C778}"/>
-              </a:ext>
-            </a:extLst>
-          </p:cNvPr>
-          <p:cNvPicPr>
-            <a:picLocks noChangeAspect="1"/>
-          </p:cNvPicPr>
-          <p:nvPr/>
-        </p:nvPicPr>
-        <p:blipFill rotWithShape="1">
-          <a:blip r:embed="rId11"/>
-          <a:srcRect t="5017" b="22836"/>
-          <a:stretch/>
-        </p:blipFill>
-        <p:spPr>
-          <a:xfrm>
-            <a:off x="6855117" y="2542690"/>
-            <a:ext cx="902332" cy="868002"/>
-          </a:xfrm>
-          <a:prstGeom prst="hexagon">
-            <a:avLst/>
-          </a:prstGeom>
-          <a:effectLst>
-            <a:softEdge rad="12700"/>
-          </a:effectLst>
-        </p:spPr>
-      </p:pic>
-      <p:pic>
-        <p:nvPicPr>
-          <p:cNvPr id="11" name="Afbeelding 14" descr="Afbeelding met persoon, muur, man, binnen&#10;&#10;Beschrijving is gegenereerd met zeer hoge betrouwbaarheid">
-            <a:extLst>
-              <a:ext uri="{FF2B5EF4-FFF2-40B4-BE49-F238E27FC236}">
-                <a16:creationId xmlns:a16="http://schemas.microsoft.com/office/drawing/2014/main" id="{2C19152B-8621-415D-9519-60DB2ECD4D0F}"/>
-              </a:ext>
-            </a:extLst>
-          </p:cNvPr>
-          <p:cNvPicPr>
-            <a:picLocks noChangeAspect="1"/>
-          </p:cNvPicPr>
-          <p:nvPr/>
-        </p:nvPicPr>
-        <p:blipFill rotWithShape="1">
-          <a:blip r:embed="rId12"/>
-          <a:srcRect t="9674" b="18179"/>
-          <a:stretch/>
-        </p:blipFill>
-        <p:spPr>
-          <a:xfrm>
-            <a:off x="6829019" y="1724230"/>
-            <a:ext cx="910780" cy="876130"/>
-          </a:xfrm>
-          <a:prstGeom prst="hexagon">
-            <a:avLst/>
-          </a:prstGeom>
-          <a:effectLst>
-            <a:softEdge rad="12700"/>
-          </a:effectLst>
-        </p:spPr>
-      </p:pic>
     </p:spTree>
     <p:extLst>
       <p:ext uri="{BB962C8B-B14F-4D97-AF65-F5344CB8AC3E}">
-        <p14:creationId xmlns:p14="http://schemas.microsoft.com/office/powerpoint/2010/main" val="2374763266"/>
+        <p14:creationId xmlns:p14="http://schemas.microsoft.com/office/powerpoint/2010/main" val="613299351"/>
       </p:ext>
     </p:extLst>
   </p:cSld>
@@ -33173,6 +32113,1371 @@
         </p:txBody>
       </p:sp>
     </p:spTree>
+  </p:cSld>
+  <p:clrMapOvr>
+    <a:masterClrMapping/>
+  </p:clrMapOvr>
+</p:sld>
+</file>
+
+<file path=ppt/slides/slide20.xml><?xml version="1.0" encoding="utf-8"?>
+<p:sld xmlns:a="http://schemas.openxmlformats.org/drawingml/2006/main" xmlns:r="http://schemas.openxmlformats.org/officeDocument/2006/relationships" xmlns:p="http://schemas.openxmlformats.org/presentationml/2006/main">
+  <p:cSld>
+    <p:spTree>
+      <p:nvGrpSpPr>
+        <p:cNvPr id="1" name="Shape 541"/>
+        <p:cNvGrpSpPr/>
+        <p:nvPr/>
+      </p:nvGrpSpPr>
+      <p:grpSpPr>
+        <a:xfrm>
+          <a:off x="0" y="0"/>
+          <a:ext cx="0" cy="0"/>
+          <a:chOff x="0" y="0"/>
+          <a:chExt cx="0" cy="0"/>
+        </a:xfrm>
+      </p:grpSpPr>
+      <p:pic>
+        <p:nvPicPr>
+          <p:cNvPr id="12" name="Afbeelding 16" descr="Afbeelding met persoon, kleding, vrouw, binnen&#10;&#10;Beschrijving is gegenereerd met zeer hoge betrouwbaarheid">
+            <a:extLst>
+              <a:ext uri="{FF2B5EF4-FFF2-40B4-BE49-F238E27FC236}">
+                <a16:creationId xmlns:a16="http://schemas.microsoft.com/office/drawing/2014/main" id="{F3668783-284D-43A5-8689-EA319718E25D}"/>
+              </a:ext>
+            </a:extLst>
+          </p:cNvPr>
+          <p:cNvPicPr>
+            <a:picLocks noChangeAspect="1"/>
+          </p:cNvPicPr>
+          <p:nvPr/>
+        </p:nvPicPr>
+        <p:blipFill rotWithShape="1">
+          <a:blip r:embed="rId3"/>
+          <a:srcRect l="-543" t="35" r="543" b="24082"/>
+          <a:stretch/>
+        </p:blipFill>
+        <p:spPr>
+          <a:xfrm>
+            <a:off x="6874452" y="3384882"/>
+            <a:ext cx="863662" cy="873838"/>
+          </a:xfrm>
+          <a:prstGeom prst="hexagon">
+            <a:avLst/>
+          </a:prstGeom>
+          <a:effectLst>
+            <a:softEdge rad="12700"/>
+          </a:effectLst>
+        </p:spPr>
+      </p:pic>
+      <p:sp>
+        <p:nvSpPr>
+          <p:cNvPr id="542" name="Shape 542"/>
+          <p:cNvSpPr/>
+          <p:nvPr/>
+        </p:nvSpPr>
+        <p:spPr>
+          <a:xfrm rot="-5400000">
+            <a:off x="1053600" y="533300"/>
+            <a:ext cx="1855800" cy="2142900"/>
+          </a:xfrm>
+          <a:custGeom>
+            <a:avLst/>
+            <a:gdLst/>
+            <a:ahLst/>
+            <a:cxnLst/>
+            <a:rect l="0" t="0" r="0" b="0"/>
+            <a:pathLst>
+              <a:path w="120000" h="120000" extrusionOk="0">
+                <a:moveTo>
+                  <a:pt x="60000" y="0"/>
+                </a:moveTo>
+                <a:lnTo>
+                  <a:pt x="120000" y="30000"/>
+                </a:lnTo>
+                <a:lnTo>
+                  <a:pt x="120000" y="90000"/>
+                </a:lnTo>
+                <a:lnTo>
+                  <a:pt x="60000" y="120000"/>
+                </a:lnTo>
+                <a:lnTo>
+                  <a:pt x="0" y="90000"/>
+                </a:lnTo>
+                <a:lnTo>
+                  <a:pt x="0" y="30000"/>
+                </a:lnTo>
+                <a:close/>
+              </a:path>
+            </a:pathLst>
+          </a:custGeom>
+          <a:gradFill>
+            <a:gsLst>
+              <a:gs pos="0">
+                <a:srgbClr val="3393E2"/>
+              </a:gs>
+              <a:gs pos="100000">
+                <a:srgbClr val="00E2C7"/>
+              </a:gs>
+            </a:gsLst>
+            <a:path path="circle">
+              <a:fillToRect l="100000" b="100000"/>
+            </a:path>
+            <a:tileRect t="-100000" r="-100000"/>
+          </a:gradFill>
+          <a:ln>
+            <a:noFill/>
+          </a:ln>
+        </p:spPr>
+        <p:txBody>
+          <a:bodyPr spcFirstLastPara="1" wrap="square" lIns="50800" tIns="50800" rIns="50800" bIns="50800" anchor="ctr" anchorCtr="0">
+            <a:noAutofit/>
+          </a:bodyPr>
+          <a:lstStyle/>
+          <a:p>
+            <a:pPr marL="0" marR="0" lvl="0" indent="0" algn="ctr" rtl="0">
+              <a:lnSpc>
+                <a:spcPct val="100000"/>
+              </a:lnSpc>
+              <a:spcBef>
+                <a:spcPts val="0"/>
+              </a:spcBef>
+              <a:spcAft>
+                <a:spcPts val="0"/>
+              </a:spcAft>
+              <a:buClr>
+                <a:srgbClr val="FFFFFF"/>
+              </a:buClr>
+              <a:buFont typeface="Helvetica Neue"/>
+              <a:buNone/>
+            </a:pPr>
+            <a:endParaRPr sz="3200" b="0" i="0" u="none" strike="noStrike" cap="none">
+              <a:solidFill>
+                <a:srgbClr val="FFFFFF"/>
+              </a:solidFill>
+              <a:latin typeface="Helvetica Neue"/>
+              <a:ea typeface="Helvetica Neue"/>
+              <a:cs typeface="Helvetica Neue"/>
+              <a:sym typeface="Helvetica Neue"/>
+            </a:endParaRPr>
+          </a:p>
+        </p:txBody>
+      </p:sp>
+      <p:sp>
+        <p:nvSpPr>
+          <p:cNvPr id="543" name="Shape 543"/>
+          <p:cNvSpPr txBox="1">
+            <a:spLocks noGrp="1"/>
+          </p:cNvSpPr>
+          <p:nvPr>
+            <p:ph type="ctrTitle" idx="4294967295"/>
+          </p:nvPr>
+        </p:nvSpPr>
+        <p:spPr>
+          <a:xfrm>
+            <a:off x="2965647" y="1346276"/>
+            <a:ext cx="4562100" cy="1159800"/>
+          </a:xfrm>
+          <a:prstGeom prst="rect">
+            <a:avLst/>
+          </a:prstGeom>
+        </p:spPr>
+        <p:txBody>
+          <a:bodyPr spcFirstLastPara="1" wrap="square" lIns="91425" tIns="91425" rIns="91425" bIns="91425" anchor="b" anchorCtr="0">
+            <a:noAutofit/>
+          </a:bodyPr>
+          <a:lstStyle/>
+          <a:p>
+            <a:pPr marL="0" lvl="0" indent="0" rtl="0">
+              <a:spcBef>
+                <a:spcPts val="0"/>
+              </a:spcBef>
+              <a:spcAft>
+                <a:spcPts val="0"/>
+              </a:spcAft>
+              <a:buNone/>
+            </a:pPr>
+            <a:r>
+              <a:rPr lang="nl-NL" sz="5000" dirty="0"/>
+              <a:t>Tot zo ver</a:t>
+            </a:r>
+            <a:endParaRPr sz="5000" dirty="0"/>
+          </a:p>
+        </p:txBody>
+      </p:sp>
+      <p:sp>
+        <p:nvSpPr>
+          <p:cNvPr id="544" name="Shape 544"/>
+          <p:cNvSpPr txBox="1">
+            <a:spLocks noGrp="1"/>
+          </p:cNvSpPr>
+          <p:nvPr>
+            <p:ph type="body" idx="4294967295"/>
+          </p:nvPr>
+        </p:nvSpPr>
+        <p:spPr>
+          <a:xfrm>
+            <a:off x="2755280" y="2347784"/>
+            <a:ext cx="4562100" cy="2461500"/>
+          </a:xfrm>
+          <a:prstGeom prst="rect">
+            <a:avLst/>
+          </a:prstGeom>
+        </p:spPr>
+        <p:txBody>
+          <a:bodyPr spcFirstLastPara="1" wrap="square" lIns="91425" tIns="91425" rIns="91425" bIns="91425" anchor="t" anchorCtr="0">
+            <a:noAutofit/>
+          </a:bodyPr>
+          <a:lstStyle/>
+          <a:p>
+            <a:pPr marL="0" lvl="0" indent="0" rtl="0">
+              <a:spcBef>
+                <a:spcPts val="600"/>
+              </a:spcBef>
+              <a:spcAft>
+                <a:spcPts val="0"/>
+              </a:spcAft>
+              <a:buNone/>
+            </a:pPr>
+            <a:r>
+              <a:rPr lang="nl-NL" sz="3600" b="1" dirty="0"/>
+              <a:t>Zijn er vragen?</a:t>
+            </a:r>
+            <a:endParaRPr dirty="0"/>
+          </a:p>
+          <a:p>
+            <a:pPr marL="0" lvl="0" indent="0" rtl="0">
+              <a:spcBef>
+                <a:spcPts val="600"/>
+              </a:spcBef>
+              <a:spcAft>
+                <a:spcPts val="0"/>
+              </a:spcAft>
+              <a:buClr>
+                <a:schemeClr val="dk1"/>
+              </a:buClr>
+              <a:buSzPts val="1100"/>
+              <a:buFont typeface="Arial"/>
+              <a:buNone/>
+            </a:pPr>
+            <a:r>
+              <a:rPr lang="nl-NL" dirty="0"/>
+              <a:t>   Contact informatie</a:t>
+            </a:r>
+            <a:r>
+              <a:rPr lang="en" dirty="0"/>
+              <a:t>:</a:t>
+            </a:r>
+          </a:p>
+          <a:p>
+            <a:pPr lvl="0"/>
+            <a:r>
+              <a:rPr lang="nl-NL" dirty="0">
+                <a:hlinkClick r:id="rId4"/>
+              </a:rPr>
+              <a:t>t.aarts1@student.avans.nl</a:t>
+            </a:r>
+            <a:endParaRPr lang="nl-NL" dirty="0"/>
+          </a:p>
+          <a:p>
+            <a:pPr lvl="0"/>
+            <a:r>
+              <a:rPr lang="nl-NL" dirty="0">
+                <a:hlinkClick r:id="rId5"/>
+              </a:rPr>
+              <a:t>raberg1@avans.nl</a:t>
+            </a:r>
+            <a:endParaRPr lang="nl-NL" dirty="0"/>
+          </a:p>
+          <a:p>
+            <a:pPr marL="139700" lvl="0" indent="0">
+              <a:buNone/>
+            </a:pPr>
+            <a:endParaRPr lang="nl-NL" dirty="0"/>
+          </a:p>
+          <a:p>
+            <a:pPr marL="139700" lvl="0" indent="0">
+              <a:buNone/>
+            </a:pPr>
+            <a:r>
+              <a:rPr lang="nl-NL" dirty="0" err="1"/>
+              <a:t>Github</a:t>
+            </a:r>
+            <a:r>
+              <a:rPr lang="nl-NL" dirty="0"/>
+              <a:t>:</a:t>
+            </a:r>
+          </a:p>
+          <a:p>
+            <a:pPr marL="139700" lvl="0" indent="0">
+              <a:buNone/>
+            </a:pPr>
+            <a:r>
+              <a:rPr lang="nl-NL" dirty="0">
+                <a:hlinkClick r:id="rId6"/>
+              </a:rPr>
+              <a:t>https://github.com/Teunimli/cm_project</a:t>
+            </a:r>
+            <a:endParaRPr lang="nl-NL" dirty="0"/>
+          </a:p>
+          <a:p>
+            <a:pPr marL="139700" lvl="0" indent="0">
+              <a:buNone/>
+            </a:pPr>
+            <a:endParaRPr lang="nl-NL" dirty="0"/>
+          </a:p>
+        </p:txBody>
+      </p:sp>
+      <p:sp>
+        <p:nvSpPr>
+          <p:cNvPr id="545" name="Shape 545"/>
+          <p:cNvSpPr/>
+          <p:nvPr/>
+        </p:nvSpPr>
+        <p:spPr>
+          <a:xfrm>
+            <a:off x="1591719" y="1212580"/>
+            <a:ext cx="779561" cy="779561"/>
+          </a:xfrm>
+          <a:custGeom>
+            <a:avLst/>
+            <a:gdLst/>
+            <a:ahLst/>
+            <a:cxnLst/>
+            <a:rect l="0" t="0" r="0" b="0"/>
+            <a:pathLst>
+              <a:path w="15290" h="15290" extrusionOk="0">
+                <a:moveTo>
+                  <a:pt x="4519" y="6815"/>
+                </a:moveTo>
+                <a:lnTo>
+                  <a:pt x="4690" y="6839"/>
+                </a:lnTo>
+                <a:lnTo>
+                  <a:pt x="4861" y="6888"/>
+                </a:lnTo>
+                <a:lnTo>
+                  <a:pt x="5007" y="6986"/>
+                </a:lnTo>
+                <a:lnTo>
+                  <a:pt x="5154" y="7084"/>
+                </a:lnTo>
+                <a:lnTo>
+                  <a:pt x="5251" y="7230"/>
+                </a:lnTo>
+                <a:lnTo>
+                  <a:pt x="5325" y="7401"/>
+                </a:lnTo>
+                <a:lnTo>
+                  <a:pt x="5374" y="7572"/>
+                </a:lnTo>
+                <a:lnTo>
+                  <a:pt x="5398" y="7767"/>
+                </a:lnTo>
+                <a:lnTo>
+                  <a:pt x="5374" y="7963"/>
+                </a:lnTo>
+                <a:lnTo>
+                  <a:pt x="5325" y="8134"/>
+                </a:lnTo>
+                <a:lnTo>
+                  <a:pt x="5251" y="8305"/>
+                </a:lnTo>
+                <a:lnTo>
+                  <a:pt x="5154" y="8451"/>
+                </a:lnTo>
+                <a:lnTo>
+                  <a:pt x="5007" y="8549"/>
+                </a:lnTo>
+                <a:lnTo>
+                  <a:pt x="4861" y="8647"/>
+                </a:lnTo>
+                <a:lnTo>
+                  <a:pt x="4690" y="8696"/>
+                </a:lnTo>
+                <a:lnTo>
+                  <a:pt x="4519" y="8720"/>
+                </a:lnTo>
+                <a:lnTo>
+                  <a:pt x="4348" y="8696"/>
+                </a:lnTo>
+                <a:lnTo>
+                  <a:pt x="4177" y="8647"/>
+                </a:lnTo>
+                <a:lnTo>
+                  <a:pt x="4030" y="8549"/>
+                </a:lnTo>
+                <a:lnTo>
+                  <a:pt x="3884" y="8451"/>
+                </a:lnTo>
+                <a:lnTo>
+                  <a:pt x="3786" y="8305"/>
+                </a:lnTo>
+                <a:lnTo>
+                  <a:pt x="3713" y="8134"/>
+                </a:lnTo>
+                <a:lnTo>
+                  <a:pt x="3664" y="7963"/>
+                </a:lnTo>
+                <a:lnTo>
+                  <a:pt x="3640" y="7767"/>
+                </a:lnTo>
+                <a:lnTo>
+                  <a:pt x="3664" y="7572"/>
+                </a:lnTo>
+                <a:lnTo>
+                  <a:pt x="3713" y="7401"/>
+                </a:lnTo>
+                <a:lnTo>
+                  <a:pt x="3786" y="7230"/>
+                </a:lnTo>
+                <a:lnTo>
+                  <a:pt x="3884" y="7084"/>
+                </a:lnTo>
+                <a:lnTo>
+                  <a:pt x="4030" y="6986"/>
+                </a:lnTo>
+                <a:lnTo>
+                  <a:pt x="4177" y="6888"/>
+                </a:lnTo>
+                <a:lnTo>
+                  <a:pt x="4348" y="6839"/>
+                </a:lnTo>
+                <a:lnTo>
+                  <a:pt x="4519" y="6815"/>
+                </a:lnTo>
+                <a:close/>
+                <a:moveTo>
+                  <a:pt x="10771" y="6815"/>
+                </a:moveTo>
+                <a:lnTo>
+                  <a:pt x="10942" y="6839"/>
+                </a:lnTo>
+                <a:lnTo>
+                  <a:pt x="11113" y="6888"/>
+                </a:lnTo>
+                <a:lnTo>
+                  <a:pt x="11260" y="6986"/>
+                </a:lnTo>
+                <a:lnTo>
+                  <a:pt x="11406" y="7084"/>
+                </a:lnTo>
+                <a:lnTo>
+                  <a:pt x="11504" y="7230"/>
+                </a:lnTo>
+                <a:lnTo>
+                  <a:pt x="11577" y="7401"/>
+                </a:lnTo>
+                <a:lnTo>
+                  <a:pt x="11626" y="7572"/>
+                </a:lnTo>
+                <a:lnTo>
+                  <a:pt x="11650" y="7767"/>
+                </a:lnTo>
+                <a:lnTo>
+                  <a:pt x="11626" y="7963"/>
+                </a:lnTo>
+                <a:lnTo>
+                  <a:pt x="11577" y="8134"/>
+                </a:lnTo>
+                <a:lnTo>
+                  <a:pt x="11504" y="8305"/>
+                </a:lnTo>
+                <a:lnTo>
+                  <a:pt x="11406" y="8451"/>
+                </a:lnTo>
+                <a:lnTo>
+                  <a:pt x="11260" y="8549"/>
+                </a:lnTo>
+                <a:lnTo>
+                  <a:pt x="11113" y="8647"/>
+                </a:lnTo>
+                <a:lnTo>
+                  <a:pt x="10942" y="8696"/>
+                </a:lnTo>
+                <a:lnTo>
+                  <a:pt x="10771" y="8720"/>
+                </a:lnTo>
+                <a:lnTo>
+                  <a:pt x="10600" y="8696"/>
+                </a:lnTo>
+                <a:lnTo>
+                  <a:pt x="10429" y="8647"/>
+                </a:lnTo>
+                <a:lnTo>
+                  <a:pt x="10283" y="8549"/>
+                </a:lnTo>
+                <a:lnTo>
+                  <a:pt x="10136" y="8451"/>
+                </a:lnTo>
+                <a:lnTo>
+                  <a:pt x="10038" y="8305"/>
+                </a:lnTo>
+                <a:lnTo>
+                  <a:pt x="9965" y="8134"/>
+                </a:lnTo>
+                <a:lnTo>
+                  <a:pt x="9916" y="7963"/>
+                </a:lnTo>
+                <a:lnTo>
+                  <a:pt x="9892" y="7767"/>
+                </a:lnTo>
+                <a:lnTo>
+                  <a:pt x="9916" y="7572"/>
+                </a:lnTo>
+                <a:lnTo>
+                  <a:pt x="9965" y="7401"/>
+                </a:lnTo>
+                <a:lnTo>
+                  <a:pt x="10038" y="7230"/>
+                </a:lnTo>
+                <a:lnTo>
+                  <a:pt x="10136" y="7084"/>
+                </a:lnTo>
+                <a:lnTo>
+                  <a:pt x="10283" y="6986"/>
+                </a:lnTo>
+                <a:lnTo>
+                  <a:pt x="10429" y="6888"/>
+                </a:lnTo>
+                <a:lnTo>
+                  <a:pt x="10600" y="6839"/>
+                </a:lnTo>
+                <a:lnTo>
+                  <a:pt x="10771" y="6815"/>
+                </a:lnTo>
+                <a:close/>
+                <a:moveTo>
+                  <a:pt x="11308" y="10210"/>
+                </a:moveTo>
+                <a:lnTo>
+                  <a:pt x="11406" y="10234"/>
+                </a:lnTo>
+                <a:lnTo>
+                  <a:pt x="11479" y="10259"/>
+                </a:lnTo>
+                <a:lnTo>
+                  <a:pt x="11577" y="10307"/>
+                </a:lnTo>
+                <a:lnTo>
+                  <a:pt x="11650" y="10356"/>
+                </a:lnTo>
+                <a:lnTo>
+                  <a:pt x="11699" y="10430"/>
+                </a:lnTo>
+                <a:lnTo>
+                  <a:pt x="11748" y="10527"/>
+                </a:lnTo>
+                <a:lnTo>
+                  <a:pt x="11772" y="10625"/>
+                </a:lnTo>
+                <a:lnTo>
+                  <a:pt x="11797" y="10698"/>
+                </a:lnTo>
+                <a:lnTo>
+                  <a:pt x="11772" y="10796"/>
+                </a:lnTo>
+                <a:lnTo>
+                  <a:pt x="11748" y="10894"/>
+                </a:lnTo>
+                <a:lnTo>
+                  <a:pt x="11699" y="10967"/>
+                </a:lnTo>
+                <a:lnTo>
+                  <a:pt x="11650" y="11065"/>
+                </a:lnTo>
+                <a:lnTo>
+                  <a:pt x="11235" y="11431"/>
+                </a:lnTo>
+                <a:lnTo>
+                  <a:pt x="10795" y="11773"/>
+                </a:lnTo>
+                <a:lnTo>
+                  <a:pt x="10307" y="12041"/>
+                </a:lnTo>
+                <a:lnTo>
+                  <a:pt x="9819" y="12286"/>
+                </a:lnTo>
+                <a:lnTo>
+                  <a:pt x="9281" y="12457"/>
+                </a:lnTo>
+                <a:lnTo>
+                  <a:pt x="8768" y="12603"/>
+                </a:lnTo>
+                <a:lnTo>
+                  <a:pt x="8207" y="12676"/>
+                </a:lnTo>
+                <a:lnTo>
+                  <a:pt x="7645" y="12701"/>
+                </a:lnTo>
+                <a:lnTo>
+                  <a:pt x="7083" y="12676"/>
+                </a:lnTo>
+                <a:lnTo>
+                  <a:pt x="6521" y="12603"/>
+                </a:lnTo>
+                <a:lnTo>
+                  <a:pt x="6009" y="12457"/>
+                </a:lnTo>
+                <a:lnTo>
+                  <a:pt x="5471" y="12286"/>
+                </a:lnTo>
+                <a:lnTo>
+                  <a:pt x="4983" y="12041"/>
+                </a:lnTo>
+                <a:lnTo>
+                  <a:pt x="4494" y="11773"/>
+                </a:lnTo>
+                <a:lnTo>
+                  <a:pt x="4055" y="11431"/>
+                </a:lnTo>
+                <a:lnTo>
+                  <a:pt x="3640" y="11065"/>
+                </a:lnTo>
+                <a:lnTo>
+                  <a:pt x="3591" y="10967"/>
+                </a:lnTo>
+                <a:lnTo>
+                  <a:pt x="3542" y="10894"/>
+                </a:lnTo>
+                <a:lnTo>
+                  <a:pt x="3517" y="10796"/>
+                </a:lnTo>
+                <a:lnTo>
+                  <a:pt x="3493" y="10698"/>
+                </a:lnTo>
+                <a:lnTo>
+                  <a:pt x="3517" y="10625"/>
+                </a:lnTo>
+                <a:lnTo>
+                  <a:pt x="3542" y="10527"/>
+                </a:lnTo>
+                <a:lnTo>
+                  <a:pt x="3591" y="10430"/>
+                </a:lnTo>
+                <a:lnTo>
+                  <a:pt x="3640" y="10356"/>
+                </a:lnTo>
+                <a:lnTo>
+                  <a:pt x="3713" y="10307"/>
+                </a:lnTo>
+                <a:lnTo>
+                  <a:pt x="3811" y="10259"/>
+                </a:lnTo>
+                <a:lnTo>
+                  <a:pt x="3884" y="10234"/>
+                </a:lnTo>
+                <a:lnTo>
+                  <a:pt x="3981" y="10210"/>
+                </a:lnTo>
+                <a:lnTo>
+                  <a:pt x="4079" y="10234"/>
+                </a:lnTo>
+                <a:lnTo>
+                  <a:pt x="4177" y="10259"/>
+                </a:lnTo>
+                <a:lnTo>
+                  <a:pt x="4250" y="10307"/>
+                </a:lnTo>
+                <a:lnTo>
+                  <a:pt x="4323" y="10356"/>
+                </a:lnTo>
+                <a:lnTo>
+                  <a:pt x="4690" y="10674"/>
+                </a:lnTo>
+                <a:lnTo>
+                  <a:pt x="5056" y="10942"/>
+                </a:lnTo>
+                <a:lnTo>
+                  <a:pt x="5447" y="11187"/>
+                </a:lnTo>
+                <a:lnTo>
+                  <a:pt x="5862" y="11382"/>
+                </a:lnTo>
+                <a:lnTo>
+                  <a:pt x="6277" y="11529"/>
+                </a:lnTo>
+                <a:lnTo>
+                  <a:pt x="6717" y="11651"/>
+                </a:lnTo>
+                <a:lnTo>
+                  <a:pt x="7181" y="11700"/>
+                </a:lnTo>
+                <a:lnTo>
+                  <a:pt x="7645" y="11724"/>
+                </a:lnTo>
+                <a:lnTo>
+                  <a:pt x="8109" y="11700"/>
+                </a:lnTo>
+                <a:lnTo>
+                  <a:pt x="8573" y="11651"/>
+                </a:lnTo>
+                <a:lnTo>
+                  <a:pt x="9013" y="11529"/>
+                </a:lnTo>
+                <a:lnTo>
+                  <a:pt x="9428" y="11382"/>
+                </a:lnTo>
+                <a:lnTo>
+                  <a:pt x="9843" y="11187"/>
+                </a:lnTo>
+                <a:lnTo>
+                  <a:pt x="10234" y="10942"/>
+                </a:lnTo>
+                <a:lnTo>
+                  <a:pt x="10600" y="10674"/>
+                </a:lnTo>
+                <a:lnTo>
+                  <a:pt x="10966" y="10356"/>
+                </a:lnTo>
+                <a:lnTo>
+                  <a:pt x="11040" y="10307"/>
+                </a:lnTo>
+                <a:lnTo>
+                  <a:pt x="11113" y="10259"/>
+                </a:lnTo>
+                <a:lnTo>
+                  <a:pt x="11211" y="10234"/>
+                </a:lnTo>
+                <a:lnTo>
+                  <a:pt x="11308" y="10210"/>
+                </a:lnTo>
+                <a:close/>
+                <a:moveTo>
+                  <a:pt x="7254" y="1"/>
+                </a:moveTo>
+                <a:lnTo>
+                  <a:pt x="6863" y="50"/>
+                </a:lnTo>
+                <a:lnTo>
+                  <a:pt x="6473" y="99"/>
+                </a:lnTo>
+                <a:lnTo>
+                  <a:pt x="6106" y="147"/>
+                </a:lnTo>
+                <a:lnTo>
+                  <a:pt x="5740" y="245"/>
+                </a:lnTo>
+                <a:lnTo>
+                  <a:pt x="5374" y="343"/>
+                </a:lnTo>
+                <a:lnTo>
+                  <a:pt x="5007" y="465"/>
+                </a:lnTo>
+                <a:lnTo>
+                  <a:pt x="4665" y="611"/>
+                </a:lnTo>
+                <a:lnTo>
+                  <a:pt x="4323" y="758"/>
+                </a:lnTo>
+                <a:lnTo>
+                  <a:pt x="4006" y="929"/>
+                </a:lnTo>
+                <a:lnTo>
+                  <a:pt x="3688" y="1100"/>
+                </a:lnTo>
+                <a:lnTo>
+                  <a:pt x="3371" y="1295"/>
+                </a:lnTo>
+                <a:lnTo>
+                  <a:pt x="3078" y="1515"/>
+                </a:lnTo>
+                <a:lnTo>
+                  <a:pt x="2785" y="1735"/>
+                </a:lnTo>
+                <a:lnTo>
+                  <a:pt x="2516" y="1979"/>
+                </a:lnTo>
+                <a:lnTo>
+                  <a:pt x="2247" y="2248"/>
+                </a:lnTo>
+                <a:lnTo>
+                  <a:pt x="1979" y="2516"/>
+                </a:lnTo>
+                <a:lnTo>
+                  <a:pt x="1735" y="2785"/>
+                </a:lnTo>
+                <a:lnTo>
+                  <a:pt x="1515" y="3078"/>
+                </a:lnTo>
+                <a:lnTo>
+                  <a:pt x="1295" y="3371"/>
+                </a:lnTo>
+                <a:lnTo>
+                  <a:pt x="1100" y="3689"/>
+                </a:lnTo>
+                <a:lnTo>
+                  <a:pt x="929" y="4006"/>
+                </a:lnTo>
+                <a:lnTo>
+                  <a:pt x="758" y="4324"/>
+                </a:lnTo>
+                <a:lnTo>
+                  <a:pt x="611" y="4666"/>
+                </a:lnTo>
+                <a:lnTo>
+                  <a:pt x="465" y="5008"/>
+                </a:lnTo>
+                <a:lnTo>
+                  <a:pt x="342" y="5374"/>
+                </a:lnTo>
+                <a:lnTo>
+                  <a:pt x="245" y="5740"/>
+                </a:lnTo>
+                <a:lnTo>
+                  <a:pt x="147" y="6107"/>
+                </a:lnTo>
+                <a:lnTo>
+                  <a:pt x="98" y="6473"/>
+                </a:lnTo>
+                <a:lnTo>
+                  <a:pt x="49" y="6864"/>
+                </a:lnTo>
+                <a:lnTo>
+                  <a:pt x="1" y="7255"/>
+                </a:lnTo>
+                <a:lnTo>
+                  <a:pt x="1" y="7645"/>
+                </a:lnTo>
+                <a:lnTo>
+                  <a:pt x="1" y="8036"/>
+                </a:lnTo>
+                <a:lnTo>
+                  <a:pt x="49" y="8427"/>
+                </a:lnTo>
+                <a:lnTo>
+                  <a:pt x="98" y="8818"/>
+                </a:lnTo>
+                <a:lnTo>
+                  <a:pt x="147" y="9184"/>
+                </a:lnTo>
+                <a:lnTo>
+                  <a:pt x="245" y="9550"/>
+                </a:lnTo>
+                <a:lnTo>
+                  <a:pt x="342" y="9917"/>
+                </a:lnTo>
+                <a:lnTo>
+                  <a:pt x="465" y="10283"/>
+                </a:lnTo>
+                <a:lnTo>
+                  <a:pt x="611" y="10625"/>
+                </a:lnTo>
+                <a:lnTo>
+                  <a:pt x="758" y="10967"/>
+                </a:lnTo>
+                <a:lnTo>
+                  <a:pt x="929" y="11284"/>
+                </a:lnTo>
+                <a:lnTo>
+                  <a:pt x="1100" y="11602"/>
+                </a:lnTo>
+                <a:lnTo>
+                  <a:pt x="1295" y="11919"/>
+                </a:lnTo>
+                <a:lnTo>
+                  <a:pt x="1515" y="12212"/>
+                </a:lnTo>
+                <a:lnTo>
+                  <a:pt x="1735" y="12506"/>
+                </a:lnTo>
+                <a:lnTo>
+                  <a:pt x="1979" y="12774"/>
+                </a:lnTo>
+                <a:lnTo>
+                  <a:pt x="2247" y="13043"/>
+                </a:lnTo>
+                <a:lnTo>
+                  <a:pt x="2516" y="13311"/>
+                </a:lnTo>
+                <a:lnTo>
+                  <a:pt x="2785" y="13556"/>
+                </a:lnTo>
+                <a:lnTo>
+                  <a:pt x="3078" y="13776"/>
+                </a:lnTo>
+                <a:lnTo>
+                  <a:pt x="3371" y="13995"/>
+                </a:lnTo>
+                <a:lnTo>
+                  <a:pt x="3688" y="14191"/>
+                </a:lnTo>
+                <a:lnTo>
+                  <a:pt x="4006" y="14362"/>
+                </a:lnTo>
+                <a:lnTo>
+                  <a:pt x="4323" y="14533"/>
+                </a:lnTo>
+                <a:lnTo>
+                  <a:pt x="4665" y="14679"/>
+                </a:lnTo>
+                <a:lnTo>
+                  <a:pt x="5007" y="14826"/>
+                </a:lnTo>
+                <a:lnTo>
+                  <a:pt x="5374" y="14948"/>
+                </a:lnTo>
+                <a:lnTo>
+                  <a:pt x="5740" y="15046"/>
+                </a:lnTo>
+                <a:lnTo>
+                  <a:pt x="6106" y="15143"/>
+                </a:lnTo>
+                <a:lnTo>
+                  <a:pt x="6473" y="15192"/>
+                </a:lnTo>
+                <a:lnTo>
+                  <a:pt x="6863" y="15241"/>
+                </a:lnTo>
+                <a:lnTo>
+                  <a:pt x="7254" y="15290"/>
+                </a:lnTo>
+                <a:lnTo>
+                  <a:pt x="8036" y="15290"/>
+                </a:lnTo>
+                <a:lnTo>
+                  <a:pt x="8426" y="15241"/>
+                </a:lnTo>
+                <a:lnTo>
+                  <a:pt x="8817" y="15192"/>
+                </a:lnTo>
+                <a:lnTo>
+                  <a:pt x="9184" y="15143"/>
+                </a:lnTo>
+                <a:lnTo>
+                  <a:pt x="9550" y="15046"/>
+                </a:lnTo>
+                <a:lnTo>
+                  <a:pt x="9916" y="14948"/>
+                </a:lnTo>
+                <a:lnTo>
+                  <a:pt x="10283" y="14826"/>
+                </a:lnTo>
+                <a:lnTo>
+                  <a:pt x="10625" y="14679"/>
+                </a:lnTo>
+                <a:lnTo>
+                  <a:pt x="10966" y="14533"/>
+                </a:lnTo>
+                <a:lnTo>
+                  <a:pt x="11284" y="14362"/>
+                </a:lnTo>
+                <a:lnTo>
+                  <a:pt x="11601" y="14191"/>
+                </a:lnTo>
+                <a:lnTo>
+                  <a:pt x="11919" y="13995"/>
+                </a:lnTo>
+                <a:lnTo>
+                  <a:pt x="12212" y="13776"/>
+                </a:lnTo>
+                <a:lnTo>
+                  <a:pt x="12505" y="13556"/>
+                </a:lnTo>
+                <a:lnTo>
+                  <a:pt x="12774" y="13311"/>
+                </a:lnTo>
+                <a:lnTo>
+                  <a:pt x="13042" y="13043"/>
+                </a:lnTo>
+                <a:lnTo>
+                  <a:pt x="13311" y="12774"/>
+                </a:lnTo>
+                <a:lnTo>
+                  <a:pt x="13555" y="12506"/>
+                </a:lnTo>
+                <a:lnTo>
+                  <a:pt x="13775" y="12212"/>
+                </a:lnTo>
+                <a:lnTo>
+                  <a:pt x="13995" y="11919"/>
+                </a:lnTo>
+                <a:lnTo>
+                  <a:pt x="14190" y="11602"/>
+                </a:lnTo>
+                <a:lnTo>
+                  <a:pt x="14361" y="11284"/>
+                </a:lnTo>
+                <a:lnTo>
+                  <a:pt x="14532" y="10967"/>
+                </a:lnTo>
+                <a:lnTo>
+                  <a:pt x="14679" y="10625"/>
+                </a:lnTo>
+                <a:lnTo>
+                  <a:pt x="14825" y="10283"/>
+                </a:lnTo>
+                <a:lnTo>
+                  <a:pt x="14947" y="9917"/>
+                </a:lnTo>
+                <a:lnTo>
+                  <a:pt x="15045" y="9550"/>
+                </a:lnTo>
+                <a:lnTo>
+                  <a:pt x="15143" y="9184"/>
+                </a:lnTo>
+                <a:lnTo>
+                  <a:pt x="15192" y="8818"/>
+                </a:lnTo>
+                <a:lnTo>
+                  <a:pt x="15240" y="8427"/>
+                </a:lnTo>
+                <a:lnTo>
+                  <a:pt x="15289" y="8036"/>
+                </a:lnTo>
+                <a:lnTo>
+                  <a:pt x="15289" y="7645"/>
+                </a:lnTo>
+                <a:lnTo>
+                  <a:pt x="15289" y="7255"/>
+                </a:lnTo>
+                <a:lnTo>
+                  <a:pt x="15240" y="6864"/>
+                </a:lnTo>
+                <a:lnTo>
+                  <a:pt x="15192" y="6473"/>
+                </a:lnTo>
+                <a:lnTo>
+                  <a:pt x="15143" y="6107"/>
+                </a:lnTo>
+                <a:lnTo>
+                  <a:pt x="15045" y="5740"/>
+                </a:lnTo>
+                <a:lnTo>
+                  <a:pt x="14947" y="5374"/>
+                </a:lnTo>
+                <a:lnTo>
+                  <a:pt x="14825" y="5008"/>
+                </a:lnTo>
+                <a:lnTo>
+                  <a:pt x="14679" y="4666"/>
+                </a:lnTo>
+                <a:lnTo>
+                  <a:pt x="14532" y="4324"/>
+                </a:lnTo>
+                <a:lnTo>
+                  <a:pt x="14361" y="4006"/>
+                </a:lnTo>
+                <a:lnTo>
+                  <a:pt x="14190" y="3689"/>
+                </a:lnTo>
+                <a:lnTo>
+                  <a:pt x="13995" y="3371"/>
+                </a:lnTo>
+                <a:lnTo>
+                  <a:pt x="13775" y="3078"/>
+                </a:lnTo>
+                <a:lnTo>
+                  <a:pt x="13555" y="2785"/>
+                </a:lnTo>
+                <a:lnTo>
+                  <a:pt x="13311" y="2516"/>
+                </a:lnTo>
+                <a:lnTo>
+                  <a:pt x="13042" y="2248"/>
+                </a:lnTo>
+                <a:lnTo>
+                  <a:pt x="12774" y="1979"/>
+                </a:lnTo>
+                <a:lnTo>
+                  <a:pt x="12505" y="1735"/>
+                </a:lnTo>
+                <a:lnTo>
+                  <a:pt x="12212" y="1515"/>
+                </a:lnTo>
+                <a:lnTo>
+                  <a:pt x="11919" y="1295"/>
+                </a:lnTo>
+                <a:lnTo>
+                  <a:pt x="11601" y="1100"/>
+                </a:lnTo>
+                <a:lnTo>
+                  <a:pt x="11284" y="929"/>
+                </a:lnTo>
+                <a:lnTo>
+                  <a:pt x="10966" y="758"/>
+                </a:lnTo>
+                <a:lnTo>
+                  <a:pt x="10625" y="611"/>
+                </a:lnTo>
+                <a:lnTo>
+                  <a:pt x="10283" y="465"/>
+                </a:lnTo>
+                <a:lnTo>
+                  <a:pt x="9916" y="343"/>
+                </a:lnTo>
+                <a:lnTo>
+                  <a:pt x="9550" y="245"/>
+                </a:lnTo>
+                <a:lnTo>
+                  <a:pt x="9184" y="147"/>
+                </a:lnTo>
+                <a:lnTo>
+                  <a:pt x="8817" y="99"/>
+                </a:lnTo>
+                <a:lnTo>
+                  <a:pt x="8426" y="50"/>
+                </a:lnTo>
+                <a:lnTo>
+                  <a:pt x="8036" y="1"/>
+                </a:lnTo>
+                <a:close/>
+              </a:path>
+            </a:pathLst>
+          </a:custGeom>
+          <a:solidFill>
+            <a:srgbClr val="FFFFFF"/>
+          </a:solidFill>
+          <a:ln>
+            <a:noFill/>
+          </a:ln>
+        </p:spPr>
+        <p:txBody>
+          <a:bodyPr spcFirstLastPara="1" wrap="square" lIns="91425" tIns="91425" rIns="91425" bIns="91425" anchor="ctr" anchorCtr="0">
+            <a:noAutofit/>
+          </a:bodyPr>
+          <a:lstStyle/>
+          <a:p>
+            <a:pPr marL="0" lvl="0" indent="0">
+              <a:spcBef>
+                <a:spcPts val="0"/>
+              </a:spcBef>
+              <a:spcAft>
+                <a:spcPts val="0"/>
+              </a:spcAft>
+              <a:buNone/>
+            </a:pPr>
+            <a:endParaRPr/>
+          </a:p>
+        </p:txBody>
+      </p:sp>
+      <p:pic>
+        <p:nvPicPr>
+          <p:cNvPr id="6" name="Shape 402">
+            <a:extLst>
+              <a:ext uri="{FF2B5EF4-FFF2-40B4-BE49-F238E27FC236}">
+                <a16:creationId xmlns:a16="http://schemas.microsoft.com/office/drawing/2014/main" id="{B1DE4C56-DCC6-45DD-B503-0459463671AC}"/>
+              </a:ext>
+            </a:extLst>
+          </p:cNvPr>
+          <p:cNvPicPr preferRelativeResize="0"/>
+          <p:nvPr/>
+        </p:nvPicPr>
+        <p:blipFill>
+          <a:blip r:embed="rId7"/>
+          <a:stretch>
+            <a:fillRect/>
+          </a:stretch>
+        </p:blipFill>
+        <p:spPr>
+          <a:xfrm>
+            <a:off x="7479050" y="2930467"/>
+            <a:ext cx="902331" cy="902331"/>
+          </a:xfrm>
+          <a:prstGeom prst="hexagon">
+            <a:avLst>
+              <a:gd name="adj" fmla="val 28504"/>
+              <a:gd name="vf" fmla="val 115470"/>
+            </a:avLst>
+          </a:prstGeom>
+          <a:noFill/>
+          <a:ln>
+            <a:noFill/>
+          </a:ln>
+          <a:effectLst>
+            <a:outerShdw blurRad="57150" dist="19050" dir="5400000" algn="bl" rotWithShape="0">
+              <a:srgbClr val="000000">
+                <a:alpha val="50000"/>
+              </a:srgbClr>
+            </a:outerShdw>
+          </a:effectLst>
+        </p:spPr>
+      </p:pic>
+      <p:pic>
+        <p:nvPicPr>
+          <p:cNvPr id="7" name="Shape 402">
+            <a:extLst>
+              <a:ext uri="{FF2B5EF4-FFF2-40B4-BE49-F238E27FC236}">
+                <a16:creationId xmlns:a16="http://schemas.microsoft.com/office/drawing/2014/main" id="{A0845828-6F03-4AF6-B57C-A7FE6A9D455A}"/>
+              </a:ext>
+            </a:extLst>
+          </p:cNvPr>
+          <p:cNvPicPr preferRelativeResize="0"/>
+          <p:nvPr/>
+        </p:nvPicPr>
+        <p:blipFill>
+          <a:blip r:embed="rId8"/>
+          <a:stretch>
+            <a:fillRect/>
+          </a:stretch>
+        </p:blipFill>
+        <p:spPr>
+          <a:xfrm>
+            <a:off x="6244514" y="2925659"/>
+            <a:ext cx="902331" cy="902331"/>
+          </a:xfrm>
+          <a:prstGeom prst="hexagon">
+            <a:avLst>
+              <a:gd name="adj" fmla="val 28504"/>
+              <a:gd name="vf" fmla="val 115470"/>
+            </a:avLst>
+          </a:prstGeom>
+          <a:noFill/>
+          <a:ln>
+            <a:noFill/>
+          </a:ln>
+          <a:effectLst>
+            <a:outerShdw blurRad="57150" dist="19050" dir="5400000" algn="bl" rotWithShape="0">
+              <a:srgbClr val="000000">
+                <a:alpha val="50000"/>
+              </a:srgbClr>
+            </a:outerShdw>
+          </a:effectLst>
+        </p:spPr>
+      </p:pic>
+      <p:pic>
+        <p:nvPicPr>
+          <p:cNvPr id="8" name="Shape 402">
+            <a:extLst>
+              <a:ext uri="{FF2B5EF4-FFF2-40B4-BE49-F238E27FC236}">
+                <a16:creationId xmlns:a16="http://schemas.microsoft.com/office/drawing/2014/main" id="{724DD41D-BD2F-4BAD-9380-6E3900EA9F3E}"/>
+              </a:ext>
+            </a:extLst>
+          </p:cNvPr>
+          <p:cNvPicPr preferRelativeResize="0"/>
+          <p:nvPr/>
+        </p:nvPicPr>
+        <p:blipFill>
+          <a:blip r:embed="rId9"/>
+          <a:stretch>
+            <a:fillRect/>
+          </a:stretch>
+        </p:blipFill>
+        <p:spPr>
+          <a:xfrm>
+            <a:off x="6209297" y="2120584"/>
+            <a:ext cx="902331" cy="902331"/>
+          </a:xfrm>
+          <a:prstGeom prst="hexagon">
+            <a:avLst>
+              <a:gd name="adj" fmla="val 28504"/>
+              <a:gd name="vf" fmla="val 115470"/>
+            </a:avLst>
+          </a:prstGeom>
+          <a:noFill/>
+          <a:ln>
+            <a:noFill/>
+          </a:ln>
+          <a:effectLst>
+            <a:outerShdw blurRad="57150" dist="19050" dir="5400000" algn="bl" rotWithShape="0">
+              <a:srgbClr val="000000">
+                <a:alpha val="50000"/>
+              </a:srgbClr>
+            </a:outerShdw>
+          </a:effectLst>
+        </p:spPr>
+      </p:pic>
+      <p:pic>
+        <p:nvPicPr>
+          <p:cNvPr id="9" name="Afbeelding 10" descr="Afbeelding met persoon, binnen, muur&#10;&#10;Beschrijving is gegenereerd met zeer hoge betrouwbaarheid">
+            <a:extLst>
+              <a:ext uri="{FF2B5EF4-FFF2-40B4-BE49-F238E27FC236}">
+                <a16:creationId xmlns:a16="http://schemas.microsoft.com/office/drawing/2014/main" id="{FBBE6CE8-8A09-4C8E-ADF1-BB1670F1904C}"/>
+              </a:ext>
+            </a:extLst>
+          </p:cNvPr>
+          <p:cNvPicPr>
+            <a:picLocks noChangeAspect="1"/>
+          </p:cNvPicPr>
+          <p:nvPr/>
+        </p:nvPicPr>
+        <p:blipFill rotWithShape="1">
+          <a:blip r:embed="rId10"/>
+          <a:srcRect t="10633" b="17221"/>
+          <a:stretch/>
+        </p:blipFill>
+        <p:spPr>
+          <a:xfrm>
+            <a:off x="7479049" y="2181759"/>
+            <a:ext cx="972766" cy="935758"/>
+          </a:xfrm>
+          <a:prstGeom prst="hexagon">
+            <a:avLst/>
+          </a:prstGeom>
+          <a:effectLst>
+            <a:softEdge rad="12700"/>
+          </a:effectLst>
+        </p:spPr>
+      </p:pic>
+      <p:pic>
+        <p:nvPicPr>
+          <p:cNvPr id="10" name="Afbeelding 12" descr="Afbeelding met persoon, muur, man, binnen&#10;&#10;Beschrijving is gegenereerd met zeer hoge betrouwbaarheid">
+            <a:extLst>
+              <a:ext uri="{FF2B5EF4-FFF2-40B4-BE49-F238E27FC236}">
+                <a16:creationId xmlns:a16="http://schemas.microsoft.com/office/drawing/2014/main" id="{6856DEFF-4497-4671-A00B-FDF494A4C778}"/>
+              </a:ext>
+            </a:extLst>
+          </p:cNvPr>
+          <p:cNvPicPr>
+            <a:picLocks noChangeAspect="1"/>
+          </p:cNvPicPr>
+          <p:nvPr/>
+        </p:nvPicPr>
+        <p:blipFill rotWithShape="1">
+          <a:blip r:embed="rId11"/>
+          <a:srcRect t="5017" b="22836"/>
+          <a:stretch/>
+        </p:blipFill>
+        <p:spPr>
+          <a:xfrm>
+            <a:off x="6855117" y="2542690"/>
+            <a:ext cx="902332" cy="868002"/>
+          </a:xfrm>
+          <a:prstGeom prst="hexagon">
+            <a:avLst/>
+          </a:prstGeom>
+          <a:effectLst>
+            <a:softEdge rad="12700"/>
+          </a:effectLst>
+        </p:spPr>
+      </p:pic>
+      <p:pic>
+        <p:nvPicPr>
+          <p:cNvPr id="11" name="Afbeelding 14" descr="Afbeelding met persoon, muur, man, binnen&#10;&#10;Beschrijving is gegenereerd met zeer hoge betrouwbaarheid">
+            <a:extLst>
+              <a:ext uri="{FF2B5EF4-FFF2-40B4-BE49-F238E27FC236}">
+                <a16:creationId xmlns:a16="http://schemas.microsoft.com/office/drawing/2014/main" id="{2C19152B-8621-415D-9519-60DB2ECD4D0F}"/>
+              </a:ext>
+            </a:extLst>
+          </p:cNvPr>
+          <p:cNvPicPr>
+            <a:picLocks noChangeAspect="1"/>
+          </p:cNvPicPr>
+          <p:nvPr/>
+        </p:nvPicPr>
+        <p:blipFill rotWithShape="1">
+          <a:blip r:embed="rId12"/>
+          <a:srcRect t="9674" b="18179"/>
+          <a:stretch/>
+        </p:blipFill>
+        <p:spPr>
+          <a:xfrm>
+            <a:off x="6829019" y="1724230"/>
+            <a:ext cx="910780" cy="876130"/>
+          </a:xfrm>
+          <a:prstGeom prst="hexagon">
+            <a:avLst/>
+          </a:prstGeom>
+          <a:effectLst>
+            <a:softEdge rad="12700"/>
+          </a:effectLst>
+        </p:spPr>
+      </p:pic>
+    </p:spTree>
+    <p:extLst>
+      <p:ext uri="{BB962C8B-B14F-4D97-AF65-F5344CB8AC3E}">
+        <p14:creationId xmlns:p14="http://schemas.microsoft.com/office/powerpoint/2010/main" val="2374763266"/>
+      </p:ext>
+    </p:extLst>
   </p:cSld>
   <p:clrMapOvr>
     <a:masterClrMapping/>

--- a/presentaties/Final/technische_presentatie.pptx
+++ b/presentaties/Final/technische_presentatie.pptx
@@ -31660,7 +31660,7 @@
                 <a:latin typeface="Nixie One"/>
                 <a:sym typeface="Nixie One"/>
               </a:rPr>
-              <a:t>3</a:t>
+              <a:t>4</a:t>
             </a:r>
             <a:endParaRPr b="1" dirty="0">
               <a:solidFill>
